--- a/Exams/midtermEqnSheet.pptx
+++ b/Exams/midtermEqnSheet.pptx
@@ -104,6 +104,11 @@
       </a:defRPr>
     </a:lvl9pPr>
   </p:defaultTextStyle>
+  <p:extLst>
+    <p:ext uri="{EFAFB233-063F-42B5-8137-9DF3F51BA10A}">
+      <p15:sldGuideLst xmlns:p15="http://schemas.microsoft.com/office/powerpoint/2012/main"/>
+    </p:ext>
+  </p:extLst>
 </p:presentation>
 </file>
 
@@ -3240,7 +3245,7 @@
         </p:blipFill>
         <p:spPr>
           <a:xfrm>
-            <a:off x="7125532" y="16056"/>
+            <a:off x="7087309" y="600761"/>
             <a:ext cx="2882438" cy="2819047"/>
           </a:xfrm>
           <a:prstGeom prst="rect">
@@ -3570,10 +3575,10 @@
       </p:pic>
       <p:pic>
         <p:nvPicPr>
-          <p:cNvPr id="509" name="Picture 508">
+          <p:cNvPr id="3" name="Picture 2">
             <a:extLst>
               <a:ext uri="{FF2B5EF4-FFF2-40B4-BE49-F238E27FC236}">
-                <a16:creationId xmlns:a16="http://schemas.microsoft.com/office/drawing/2014/main" id="{26B5531F-6FC8-0CE0-9E7E-B64A634019E0}"/>
+                <a16:creationId xmlns:a16="http://schemas.microsoft.com/office/drawing/2014/main" id="{A5D6BA59-0267-1637-4ABE-4314275917D3}"/>
               </a:ext>
             </a:extLst>
           </p:cNvPr>
@@ -3600,8 +3605,8 @@
         </p:blipFill>
         <p:spPr>
           <a:xfrm>
-            <a:off x="4489900" y="3193140"/>
-            <a:ext cx="3017066" cy="1272537"/>
+            <a:off x="7058218" y="4858102"/>
+            <a:ext cx="3017066" cy="1591471"/>
           </a:xfrm>
           <a:prstGeom prst="rect">
             <a:avLst/>
@@ -3764,13 +3769,13 @@
 <file path=ppt/tags/tag16.xml><?xml version="1.0" encoding="utf-8"?>
 <p:tagLst xmlns:a="http://schemas.openxmlformats.org/drawingml/2006/main" xmlns:r="http://schemas.openxmlformats.org/officeDocument/2006/relationships" xmlns:p="http://schemas.openxmlformats.org/presentationml/2006/main">
   <p:tag name="OUTPUTDPI" val="1200"/>
-  <p:tag name="ORIGINALHEIGHT" val="1789.276"/>
+  <p:tag name="ORIGINALHEIGHT" val="2237.72"/>
   <p:tag name="ORIGINALWIDTH" val="4242.22"/>
   <p:tag name="OUTPUTTYPE" val="PNG"/>
   <p:tag name="IGUANATEXVERSION" val="161"/>
-  <p:tag name="LATEXADDIN" val="\documentclass{article}&#10;\usepackage{amsmath, amssymb}&#10;\pagestyle{empty}&#10;\begin{document}&#10;\textbf{Reachability/Controllability}&#10;&#10;$\mathcal{R}[t_0, t_1] = \{ x_1 \in \mathbb{R}^n \vert \exists u(.) \in \mathcal{U}_{[t_0,t_1]},x_1=\int_{t_0}^{t_1} \Phi(t_1,\tau)B(\tau)u(\tau)d\tau \}$&#10;&#10;$\mathcal{C}[t_0, t_1] = \{ x_0 \in \mathbb{R}^n \vert \exists u(.) \in \mathcal{U}_{[t_0,t_1]},0=\Phi(t_1,t_0)x_0 + \int_{t_0}^{t_1} \Phi(t_1,\tau)B(\tau)u(\tau)d\tau \}$&#10;&#10;$W_{\mathcal{R}}(t_0,t_1) = \int_{t_0}^{t_1} \Phi(t_1,\tau)B(\tau)B^T(\tau)\Phi^T(t_1,\tau)d\tau$ and $Im(W_{\mathcal{R}}(t_0,t_1)) = \mathcal{R}[t_0,t_1]$&#10;&#10;$W_{\mathcal{C}}(t_0,t_1) = \int_{t_0}^{t_1} \Phi(t_0,\tau)B(\tau)B^T(\tau)\Phi^T(t_0,\tau)d\tau$ and $Im(W_{\mathcal{C}}(t_0,t_1)) = \mathcal{C}[t_0,t_1]$&#10;&#10;$W_{\mathcal{R}}(t_0,t_1) = \Phi(t_1,t_0)W_{\mathcal{C}}(t_0,t_1)\Phi^T(t_1,t_0)$&#10;&#10;\textit{Control Inputs}&#10;&#10;$x_1 \in Im(W_R) \implies \exists \eta_1 s.t. x_1 = W_R \eta_1$&#10;&#10;$u_R(t) = B^T(t)\Phi^T(t_f,t)\eta_1$&#10;&#10;$x_0 \in Im(W_C) \implies \exists \eta_0 s.t. x_0 = W_C \eta_0$&#10;&#10;$u_C(t) = -B^T(t)\Phi^T(t_0,t)\eta_0$&#10;&#10;&#10;&#10;\end{document}"/>
+  <p:tag name="LATEXADDIN" val="\documentclass{article}&#10;\usepackage{amsmath, amssymb}&#10;\pagestyle{empty}&#10;\begin{document}&#10;\textbf{Reachability/Controllability}&#10;&#10;$\mathcal{R}[t_0, t_1] = \{ x_1 \in \mathbb{R}^n \vert \exists u(.) \in \mathcal{U}_{[t_0,t_1]},x_1=\int_{t_0}^{t_1} \Phi(t_1,\tau)B(\tau)u(\tau)d\tau \}$&#10;&#10;$\mathcal{C}[t_0, t_1] = \{ x_0 \in \mathbb{R}^n \vert \exists u(.) \in \mathcal{U}_{[t_0,t_1]},0=\Phi(t_1,t_0)x_0 + \int_{t_0}^{t_1} \Phi(t_1,\tau)B(\tau)u(\tau)d\tau \}$&#10;&#10;$W_{\mathcal{R}}(t_0,t_1) = \int_{t_0}^{t_1} \Phi(t_1,\tau)B(\tau)B^T(\tau)\Phi^T(t_1,\tau)d\tau$ and $Im(W_{\mathcal{R}}(t_0,t_1)) = \mathcal{R}[t_0,t_1]$&#10;&#10;$W_{\mathcal{C}}(t_0,t_1) = \int_{t_0}^{t_1} \Phi(t_0,\tau)B(\tau)B^T(\tau)\Phi^T(t_0,\tau)d\tau$ and $Im(W_{\mathcal{C}}(t_0,t_1)) = \mathcal{C}[t_0,t_1]$&#10;&#10;$W_{\mathcal{R}}(t_0,t_1) = \Phi(t_1,t_0)W_{\mathcal{C}}(t_0,t_1)\Phi^T(t_1,t_0)$&#10;&#10;\textit{Control Inputs}&#10;&#10;$x_1 \in Im(W_R) \implies \exists \eta_1 s.t. x_1 = W_R \eta_1$&#10;&#10;$u_R(t) = B^T(t)\Phi^T(t_f,t)\eta_1$&#10;&#10;$x_0 \in Im(W_C) \implies \exists \eta_0 s.t. x_0 = W_C \eta_0$&#10;&#10;$u_C(t) = -B^T(t)\Phi^T(t_0,t)\eta_0$&#10;&#10;&#10;Can move between two points if:&#10;&#10;a) $x_1-\Phi(t_1,t_0)x_0 \in Im(W_R(t_0,t_1))$&#10;&#10;or b) $x_0 \in \mathcal{C}$ and $x_1 \in \mathcal{R}$&#10;\end{document}"/>
   <p:tag name="IGUANATEXSIZE" val="7"/>
-  <p:tag name="IGUANATEXCURSOR" val="1083"/>
+  <p:tag name="IGUANATEXCURSOR" val="1221"/>
   <p:tag name="TRANSPARENCY" val="True"/>
   <p:tag name="LATEXENGINEID" val="0"/>
   <p:tag name="TEMPFOLDER" val="c:\temp\"/>

--- a/Exams/midtermEqnSheet.pptx
+++ b/Exams/midtermEqnSheet.pptx
@@ -2,12 +2,12 @@
 <file path=ppt/presentation.xml><?xml version="1.0" encoding="utf-8"?>
 <p:presentation xmlns:a="http://schemas.openxmlformats.org/drawingml/2006/main" xmlns:r="http://schemas.openxmlformats.org/officeDocument/2006/relationships" xmlns:p="http://schemas.openxmlformats.org/presentationml/2006/main" saveSubsetFonts="1">
   <p:sldMasterIdLst>
-    <p:sldMasterId id="2147483684" r:id="rId1"/>
+    <p:sldMasterId id="2147483696" r:id="rId1"/>
   </p:sldMasterIdLst>
   <p:sldIdLst>
     <p:sldId id="256" r:id="rId2"/>
   </p:sldIdLst>
-  <p:sldSz cx="10058400" cy="7772400"/>
+  <p:sldSz cx="9144000" cy="6858000" type="letter"/>
   <p:notesSz cx="6858000" cy="9144000"/>
   <p:defaultTextStyle>
     <a:defPPr>
@@ -141,15 +141,15 @@
         </p:nvSpPr>
         <p:spPr>
           <a:xfrm>
-            <a:off x="754380" y="1272011"/>
-            <a:ext cx="8549640" cy="2705947"/>
+            <a:off x="685800" y="1122363"/>
+            <a:ext cx="7772400" cy="2387600"/>
           </a:xfrm>
         </p:spPr>
         <p:txBody>
           <a:bodyPr anchor="b"/>
           <a:lstStyle>
             <a:lvl1pPr algn="ctr">
-              <a:defRPr sz="6600"/>
+              <a:defRPr sz="6000"/>
             </a:lvl1pPr>
           </a:lstStyle>
           <a:p>
@@ -173,8 +173,8 @@
         </p:nvSpPr>
         <p:spPr>
           <a:xfrm>
-            <a:off x="1257300" y="4082310"/>
-            <a:ext cx="7543800" cy="1876530"/>
+            <a:off x="1143000" y="3602038"/>
+            <a:ext cx="6858000" cy="1655762"/>
           </a:xfrm>
         </p:spPr>
         <p:txBody>
@@ -182,39 +182,39 @@
           <a:lstStyle>
             <a:lvl1pPr marL="0" indent="0" algn="ctr">
               <a:buNone/>
-              <a:defRPr sz="2640"/>
+              <a:defRPr sz="2400"/>
             </a:lvl1pPr>
-            <a:lvl2pPr marL="502920" indent="0" algn="ctr">
-              <a:buNone/>
-              <a:defRPr sz="2200"/>
+            <a:lvl2pPr marL="457200" indent="0" algn="ctr">
+              <a:buNone/>
+              <a:defRPr sz="2000"/>
             </a:lvl2pPr>
-            <a:lvl3pPr marL="1005840" indent="0" algn="ctr">
-              <a:buNone/>
-              <a:defRPr sz="1980"/>
+            <a:lvl3pPr marL="914400" indent="0" algn="ctr">
+              <a:buNone/>
+              <a:defRPr sz="1800"/>
             </a:lvl3pPr>
-            <a:lvl4pPr marL="1508760" indent="0" algn="ctr">
-              <a:buNone/>
-              <a:defRPr sz="1760"/>
+            <a:lvl4pPr marL="1371600" indent="0" algn="ctr">
+              <a:buNone/>
+              <a:defRPr sz="1600"/>
             </a:lvl4pPr>
-            <a:lvl5pPr marL="2011680" indent="0" algn="ctr">
-              <a:buNone/>
-              <a:defRPr sz="1760"/>
+            <a:lvl5pPr marL="1828800" indent="0" algn="ctr">
+              <a:buNone/>
+              <a:defRPr sz="1600"/>
             </a:lvl5pPr>
-            <a:lvl6pPr marL="2514600" indent="0" algn="ctr">
-              <a:buNone/>
-              <a:defRPr sz="1760"/>
+            <a:lvl6pPr marL="2286000" indent="0" algn="ctr">
+              <a:buNone/>
+              <a:defRPr sz="1600"/>
             </a:lvl6pPr>
-            <a:lvl7pPr marL="3017520" indent="0" algn="ctr">
-              <a:buNone/>
-              <a:defRPr sz="1760"/>
+            <a:lvl7pPr marL="2743200" indent="0" algn="ctr">
+              <a:buNone/>
+              <a:defRPr sz="1600"/>
             </a:lvl7pPr>
-            <a:lvl8pPr marL="3520440" indent="0" algn="ctr">
-              <a:buNone/>
-              <a:defRPr sz="1760"/>
+            <a:lvl8pPr marL="3200400" indent="0" algn="ctr">
+              <a:buNone/>
+              <a:defRPr sz="1600"/>
             </a:lvl8pPr>
-            <a:lvl9pPr marL="4023360" indent="0" algn="ctr">
-              <a:buNone/>
-              <a:defRPr sz="1760"/>
+            <a:lvl9pPr marL="3657600" indent="0" algn="ctr">
+              <a:buNone/>
+              <a:defRPr sz="1600"/>
             </a:lvl9pPr>
           </a:lstStyle>
           <a:p>
@@ -294,7 +294,7 @@
     </p:spTree>
     <p:extLst>
       <p:ext uri="{BB962C8B-B14F-4D97-AF65-F5344CB8AC3E}">
-        <p14:creationId xmlns:p14="http://schemas.microsoft.com/office/powerpoint/2010/main" val="1435222585"/>
+        <p14:creationId xmlns:p14="http://schemas.microsoft.com/office/powerpoint/2010/main" val="2816414776"/>
       </p:ext>
     </p:extLst>
   </p:cSld>
@@ -464,7 +464,7 @@
     </p:spTree>
     <p:extLst>
       <p:ext uri="{BB962C8B-B14F-4D97-AF65-F5344CB8AC3E}">
-        <p14:creationId xmlns:p14="http://schemas.microsoft.com/office/powerpoint/2010/main" val="2435532982"/>
+        <p14:creationId xmlns:p14="http://schemas.microsoft.com/office/powerpoint/2010/main" val="2914018948"/>
       </p:ext>
     </p:extLst>
   </p:cSld>
@@ -503,8 +503,8 @@
         </p:nvSpPr>
         <p:spPr>
           <a:xfrm>
-            <a:off x="7198043" y="413808"/>
-            <a:ext cx="2168843" cy="6586750"/>
+            <a:off x="6543675" y="365125"/>
+            <a:ext cx="1971675" cy="5811838"/>
           </a:xfrm>
         </p:spPr>
         <p:txBody>
@@ -531,8 +531,8 @@
         </p:nvSpPr>
         <p:spPr>
           <a:xfrm>
-            <a:off x="691515" y="413808"/>
-            <a:ext cx="6380798" cy="6586750"/>
+            <a:off x="628650" y="365125"/>
+            <a:ext cx="5800725" cy="5811838"/>
           </a:xfrm>
         </p:spPr>
         <p:txBody>
@@ -644,7 +644,7 @@
     </p:spTree>
     <p:extLst>
       <p:ext uri="{BB962C8B-B14F-4D97-AF65-F5344CB8AC3E}">
-        <p14:creationId xmlns:p14="http://schemas.microsoft.com/office/powerpoint/2010/main" val="2366670941"/>
+        <p14:creationId xmlns:p14="http://schemas.microsoft.com/office/powerpoint/2010/main" val="1965805078"/>
       </p:ext>
     </p:extLst>
   </p:cSld>
@@ -814,7 +814,7 @@
     </p:spTree>
     <p:extLst>
       <p:ext uri="{BB962C8B-B14F-4D97-AF65-F5344CB8AC3E}">
-        <p14:creationId xmlns:p14="http://schemas.microsoft.com/office/powerpoint/2010/main" val="1678382675"/>
+        <p14:creationId xmlns:p14="http://schemas.microsoft.com/office/powerpoint/2010/main" val="1717890835"/>
       </p:ext>
     </p:extLst>
   </p:cSld>
@@ -853,15 +853,15 @@
         </p:nvSpPr>
         <p:spPr>
           <a:xfrm>
-            <a:off x="686277" y="1937705"/>
-            <a:ext cx="8675370" cy="3233102"/>
+            <a:off x="623888" y="1709739"/>
+            <a:ext cx="7886700" cy="2852737"/>
           </a:xfrm>
         </p:spPr>
         <p:txBody>
           <a:bodyPr anchor="b"/>
           <a:lstStyle>
             <a:lvl1pPr>
-              <a:defRPr sz="6600"/>
+              <a:defRPr sz="6000"/>
             </a:lvl1pPr>
           </a:lstStyle>
           <a:p>
@@ -885,8 +885,8 @@
         </p:nvSpPr>
         <p:spPr>
           <a:xfrm>
-            <a:off x="686277" y="5201393"/>
-            <a:ext cx="8675370" cy="1700212"/>
+            <a:off x="623888" y="4589464"/>
+            <a:ext cx="7886700" cy="1500187"/>
           </a:xfrm>
         </p:spPr>
         <p:txBody>
@@ -894,7 +894,7 @@
           <a:lstStyle>
             <a:lvl1pPr marL="0" indent="0">
               <a:buNone/>
-              <a:defRPr sz="2640">
+              <a:defRPr sz="2400">
                 <a:solidFill>
                   <a:schemeClr val="tx1">
                     <a:tint val="82000"/>
@@ -902,9 +902,9 @@
                 </a:solidFill>
               </a:defRPr>
             </a:lvl1pPr>
-            <a:lvl2pPr marL="502920" indent="0">
-              <a:buNone/>
-              <a:defRPr sz="2200">
+            <a:lvl2pPr marL="457200" indent="0">
+              <a:buNone/>
+              <a:defRPr sz="2000">
                 <a:solidFill>
                   <a:schemeClr val="tx1">
                     <a:tint val="82000"/>
@@ -912,9 +912,9 @@
                 </a:solidFill>
               </a:defRPr>
             </a:lvl2pPr>
-            <a:lvl3pPr marL="1005840" indent="0">
-              <a:buNone/>
-              <a:defRPr sz="1980">
+            <a:lvl3pPr marL="914400" indent="0">
+              <a:buNone/>
+              <a:defRPr sz="1800">
                 <a:solidFill>
                   <a:schemeClr val="tx1">
                     <a:tint val="82000"/>
@@ -922,9 +922,9 @@
                 </a:solidFill>
               </a:defRPr>
             </a:lvl3pPr>
-            <a:lvl4pPr marL="1508760" indent="0">
-              <a:buNone/>
-              <a:defRPr sz="1760">
+            <a:lvl4pPr marL="1371600" indent="0">
+              <a:buNone/>
+              <a:defRPr sz="1600">
                 <a:solidFill>
                   <a:schemeClr val="tx1">
                     <a:tint val="82000"/>
@@ -932,9 +932,9 @@
                 </a:solidFill>
               </a:defRPr>
             </a:lvl4pPr>
-            <a:lvl5pPr marL="2011680" indent="0">
-              <a:buNone/>
-              <a:defRPr sz="1760">
+            <a:lvl5pPr marL="1828800" indent="0">
+              <a:buNone/>
+              <a:defRPr sz="1600">
                 <a:solidFill>
                   <a:schemeClr val="tx1">
                     <a:tint val="82000"/>
@@ -942,9 +942,9 @@
                 </a:solidFill>
               </a:defRPr>
             </a:lvl5pPr>
-            <a:lvl6pPr marL="2514600" indent="0">
-              <a:buNone/>
-              <a:defRPr sz="1760">
+            <a:lvl6pPr marL="2286000" indent="0">
+              <a:buNone/>
+              <a:defRPr sz="1600">
                 <a:solidFill>
                   <a:schemeClr val="tx1">
                     <a:tint val="82000"/>
@@ -952,9 +952,9 @@
                 </a:solidFill>
               </a:defRPr>
             </a:lvl6pPr>
-            <a:lvl7pPr marL="3017520" indent="0">
-              <a:buNone/>
-              <a:defRPr sz="1760">
+            <a:lvl7pPr marL="2743200" indent="0">
+              <a:buNone/>
+              <a:defRPr sz="1600">
                 <a:solidFill>
                   <a:schemeClr val="tx1">
                     <a:tint val="82000"/>
@@ -962,9 +962,9 @@
                 </a:solidFill>
               </a:defRPr>
             </a:lvl7pPr>
-            <a:lvl8pPr marL="3520440" indent="0">
-              <a:buNone/>
-              <a:defRPr sz="1760">
+            <a:lvl8pPr marL="3200400" indent="0">
+              <a:buNone/>
+              <a:defRPr sz="1600">
                 <a:solidFill>
                   <a:schemeClr val="tx1">
                     <a:tint val="82000"/>
@@ -972,9 +972,9 @@
                 </a:solidFill>
               </a:defRPr>
             </a:lvl8pPr>
-            <a:lvl9pPr marL="4023360" indent="0">
-              <a:buNone/>
-              <a:defRPr sz="1760">
+            <a:lvl9pPr marL="3657600" indent="0">
+              <a:buNone/>
+              <a:defRPr sz="1600">
                 <a:solidFill>
                   <a:schemeClr val="tx1">
                     <a:tint val="82000"/>
@@ -1060,7 +1060,7 @@
     </p:spTree>
     <p:extLst>
       <p:ext uri="{BB962C8B-B14F-4D97-AF65-F5344CB8AC3E}">
-        <p14:creationId xmlns:p14="http://schemas.microsoft.com/office/powerpoint/2010/main" val="1421121409"/>
+        <p14:creationId xmlns:p14="http://schemas.microsoft.com/office/powerpoint/2010/main" val="1686168935"/>
       </p:ext>
     </p:extLst>
   </p:cSld>
@@ -1122,8 +1122,8 @@
         </p:nvSpPr>
         <p:spPr>
           <a:xfrm>
-            <a:off x="691515" y="2069042"/>
-            <a:ext cx="4274820" cy="4931516"/>
+            <a:off x="628650" y="1825625"/>
+            <a:ext cx="3886200" cy="4351338"/>
           </a:xfrm>
         </p:spPr>
         <p:txBody>
@@ -1179,8 +1179,8 @@
         </p:nvSpPr>
         <p:spPr>
           <a:xfrm>
-            <a:off x="5092065" y="2069042"/>
-            <a:ext cx="4274820" cy="4931516"/>
+            <a:off x="4629150" y="1825625"/>
+            <a:ext cx="3886200" cy="4351338"/>
           </a:xfrm>
         </p:spPr>
         <p:txBody>
@@ -1292,7 +1292,7 @@
     </p:spTree>
     <p:extLst>
       <p:ext uri="{BB962C8B-B14F-4D97-AF65-F5344CB8AC3E}">
-        <p14:creationId xmlns:p14="http://schemas.microsoft.com/office/powerpoint/2010/main" val="4151353996"/>
+        <p14:creationId xmlns:p14="http://schemas.microsoft.com/office/powerpoint/2010/main" val="3062525484"/>
       </p:ext>
     </p:extLst>
   </p:cSld>
@@ -1331,8 +1331,8 @@
         </p:nvSpPr>
         <p:spPr>
           <a:xfrm>
-            <a:off x="692825" y="413810"/>
-            <a:ext cx="8675370" cy="1502305"/>
+            <a:off x="629841" y="365126"/>
+            <a:ext cx="7886700" cy="1325563"/>
           </a:xfrm>
         </p:spPr>
         <p:txBody>
@@ -1359,8 +1359,8 @@
         </p:nvSpPr>
         <p:spPr>
           <a:xfrm>
-            <a:off x="692826" y="1905318"/>
-            <a:ext cx="4255174" cy="933767"/>
+            <a:off x="629842" y="1681163"/>
+            <a:ext cx="3868340" cy="823912"/>
           </a:xfrm>
         </p:spPr>
         <p:txBody>
@@ -1368,39 +1368,39 @@
           <a:lstStyle>
             <a:lvl1pPr marL="0" indent="0">
               <a:buNone/>
-              <a:defRPr sz="2640" b="1"/>
+              <a:defRPr sz="2400" b="1"/>
             </a:lvl1pPr>
-            <a:lvl2pPr marL="502920" indent="0">
-              <a:buNone/>
-              <a:defRPr sz="2200" b="1"/>
+            <a:lvl2pPr marL="457200" indent="0">
+              <a:buNone/>
+              <a:defRPr sz="2000" b="1"/>
             </a:lvl2pPr>
-            <a:lvl3pPr marL="1005840" indent="0">
-              <a:buNone/>
-              <a:defRPr sz="1980" b="1"/>
+            <a:lvl3pPr marL="914400" indent="0">
+              <a:buNone/>
+              <a:defRPr sz="1800" b="1"/>
             </a:lvl3pPr>
-            <a:lvl4pPr marL="1508760" indent="0">
-              <a:buNone/>
-              <a:defRPr sz="1760" b="1"/>
+            <a:lvl4pPr marL="1371600" indent="0">
+              <a:buNone/>
+              <a:defRPr sz="1600" b="1"/>
             </a:lvl4pPr>
-            <a:lvl5pPr marL="2011680" indent="0">
-              <a:buNone/>
-              <a:defRPr sz="1760" b="1"/>
+            <a:lvl5pPr marL="1828800" indent="0">
+              <a:buNone/>
+              <a:defRPr sz="1600" b="1"/>
             </a:lvl5pPr>
-            <a:lvl6pPr marL="2514600" indent="0">
-              <a:buNone/>
-              <a:defRPr sz="1760" b="1"/>
+            <a:lvl6pPr marL="2286000" indent="0">
+              <a:buNone/>
+              <a:defRPr sz="1600" b="1"/>
             </a:lvl6pPr>
-            <a:lvl7pPr marL="3017520" indent="0">
-              <a:buNone/>
-              <a:defRPr sz="1760" b="1"/>
+            <a:lvl7pPr marL="2743200" indent="0">
+              <a:buNone/>
+              <a:defRPr sz="1600" b="1"/>
             </a:lvl7pPr>
-            <a:lvl8pPr marL="3520440" indent="0">
-              <a:buNone/>
-              <a:defRPr sz="1760" b="1"/>
+            <a:lvl8pPr marL="3200400" indent="0">
+              <a:buNone/>
+              <a:defRPr sz="1600" b="1"/>
             </a:lvl8pPr>
-            <a:lvl9pPr marL="4023360" indent="0">
-              <a:buNone/>
-              <a:defRPr sz="1760" b="1"/>
+            <a:lvl9pPr marL="3657600" indent="0">
+              <a:buNone/>
+              <a:defRPr sz="1600" b="1"/>
             </a:lvl9pPr>
           </a:lstStyle>
           <a:p>
@@ -1424,8 +1424,8 @@
         </p:nvSpPr>
         <p:spPr>
           <a:xfrm>
-            <a:off x="692826" y="2839085"/>
-            <a:ext cx="4255174" cy="4175866"/>
+            <a:off x="629842" y="2505075"/>
+            <a:ext cx="3868340" cy="3684588"/>
           </a:xfrm>
         </p:spPr>
         <p:txBody>
@@ -1481,8 +1481,8 @@
         </p:nvSpPr>
         <p:spPr>
           <a:xfrm>
-            <a:off x="5092066" y="1905318"/>
-            <a:ext cx="4276130" cy="933767"/>
+            <a:off x="4629150" y="1681163"/>
+            <a:ext cx="3887391" cy="823912"/>
           </a:xfrm>
         </p:spPr>
         <p:txBody>
@@ -1490,39 +1490,39 @@
           <a:lstStyle>
             <a:lvl1pPr marL="0" indent="0">
               <a:buNone/>
-              <a:defRPr sz="2640" b="1"/>
+              <a:defRPr sz="2400" b="1"/>
             </a:lvl1pPr>
-            <a:lvl2pPr marL="502920" indent="0">
-              <a:buNone/>
-              <a:defRPr sz="2200" b="1"/>
+            <a:lvl2pPr marL="457200" indent="0">
+              <a:buNone/>
+              <a:defRPr sz="2000" b="1"/>
             </a:lvl2pPr>
-            <a:lvl3pPr marL="1005840" indent="0">
-              <a:buNone/>
-              <a:defRPr sz="1980" b="1"/>
+            <a:lvl3pPr marL="914400" indent="0">
+              <a:buNone/>
+              <a:defRPr sz="1800" b="1"/>
             </a:lvl3pPr>
-            <a:lvl4pPr marL="1508760" indent="0">
-              <a:buNone/>
-              <a:defRPr sz="1760" b="1"/>
+            <a:lvl4pPr marL="1371600" indent="0">
+              <a:buNone/>
+              <a:defRPr sz="1600" b="1"/>
             </a:lvl4pPr>
-            <a:lvl5pPr marL="2011680" indent="0">
-              <a:buNone/>
-              <a:defRPr sz="1760" b="1"/>
+            <a:lvl5pPr marL="1828800" indent="0">
+              <a:buNone/>
+              <a:defRPr sz="1600" b="1"/>
             </a:lvl5pPr>
-            <a:lvl6pPr marL="2514600" indent="0">
-              <a:buNone/>
-              <a:defRPr sz="1760" b="1"/>
+            <a:lvl6pPr marL="2286000" indent="0">
+              <a:buNone/>
+              <a:defRPr sz="1600" b="1"/>
             </a:lvl6pPr>
-            <a:lvl7pPr marL="3017520" indent="0">
-              <a:buNone/>
-              <a:defRPr sz="1760" b="1"/>
+            <a:lvl7pPr marL="2743200" indent="0">
+              <a:buNone/>
+              <a:defRPr sz="1600" b="1"/>
             </a:lvl7pPr>
-            <a:lvl8pPr marL="3520440" indent="0">
-              <a:buNone/>
-              <a:defRPr sz="1760" b="1"/>
+            <a:lvl8pPr marL="3200400" indent="0">
+              <a:buNone/>
+              <a:defRPr sz="1600" b="1"/>
             </a:lvl8pPr>
-            <a:lvl9pPr marL="4023360" indent="0">
-              <a:buNone/>
-              <a:defRPr sz="1760" b="1"/>
+            <a:lvl9pPr marL="3657600" indent="0">
+              <a:buNone/>
+              <a:defRPr sz="1600" b="1"/>
             </a:lvl9pPr>
           </a:lstStyle>
           <a:p>
@@ -1546,8 +1546,8 @@
         </p:nvSpPr>
         <p:spPr>
           <a:xfrm>
-            <a:off x="5092066" y="2839085"/>
-            <a:ext cx="4276130" cy="4175866"/>
+            <a:off x="4629150" y="2505075"/>
+            <a:ext cx="3887391" cy="3684588"/>
           </a:xfrm>
         </p:spPr>
         <p:txBody>
@@ -1659,7 +1659,7 @@
     </p:spTree>
     <p:extLst>
       <p:ext uri="{BB962C8B-B14F-4D97-AF65-F5344CB8AC3E}">
-        <p14:creationId xmlns:p14="http://schemas.microsoft.com/office/powerpoint/2010/main" val="2624160588"/>
+        <p14:creationId xmlns:p14="http://schemas.microsoft.com/office/powerpoint/2010/main" val="3676306957"/>
       </p:ext>
     </p:extLst>
   </p:cSld>
@@ -1777,7 +1777,7 @@
     </p:spTree>
     <p:extLst>
       <p:ext uri="{BB962C8B-B14F-4D97-AF65-F5344CB8AC3E}">
-        <p14:creationId xmlns:p14="http://schemas.microsoft.com/office/powerpoint/2010/main" val="3844404955"/>
+        <p14:creationId xmlns:p14="http://schemas.microsoft.com/office/powerpoint/2010/main" val="3959396221"/>
       </p:ext>
     </p:extLst>
   </p:cSld>
@@ -1872,7 +1872,7 @@
     </p:spTree>
     <p:extLst>
       <p:ext uri="{BB962C8B-B14F-4D97-AF65-F5344CB8AC3E}">
-        <p14:creationId xmlns:p14="http://schemas.microsoft.com/office/powerpoint/2010/main" val="4053810886"/>
+        <p14:creationId xmlns:p14="http://schemas.microsoft.com/office/powerpoint/2010/main" val="4133695480"/>
       </p:ext>
     </p:extLst>
   </p:cSld>
@@ -1911,15 +1911,15 @@
         </p:nvSpPr>
         <p:spPr>
           <a:xfrm>
-            <a:off x="692825" y="518160"/>
-            <a:ext cx="3244096" cy="1813560"/>
+            <a:off x="629841" y="457200"/>
+            <a:ext cx="2949178" cy="1600200"/>
           </a:xfrm>
         </p:spPr>
         <p:txBody>
           <a:bodyPr anchor="b"/>
           <a:lstStyle>
             <a:lvl1pPr>
-              <a:defRPr sz="3520"/>
+              <a:defRPr sz="3200"/>
             </a:lvl1pPr>
           </a:lstStyle>
           <a:p>
@@ -1943,39 +1943,39 @@
         </p:nvSpPr>
         <p:spPr>
           <a:xfrm>
-            <a:off x="4276130" y="1119083"/>
-            <a:ext cx="5092065" cy="5523442"/>
+            <a:off x="3887391" y="987426"/>
+            <a:ext cx="4629150" cy="4873625"/>
           </a:xfrm>
         </p:spPr>
         <p:txBody>
           <a:bodyPr/>
           <a:lstStyle>
             <a:lvl1pPr>
-              <a:defRPr sz="3520"/>
+              <a:defRPr sz="3200"/>
             </a:lvl1pPr>
             <a:lvl2pPr>
-              <a:defRPr sz="3080"/>
+              <a:defRPr sz="2800"/>
             </a:lvl2pPr>
             <a:lvl3pPr>
-              <a:defRPr sz="2640"/>
+              <a:defRPr sz="2400"/>
             </a:lvl3pPr>
             <a:lvl4pPr>
-              <a:defRPr sz="2200"/>
+              <a:defRPr sz="2000"/>
             </a:lvl4pPr>
             <a:lvl5pPr>
-              <a:defRPr sz="2200"/>
+              <a:defRPr sz="2000"/>
             </a:lvl5pPr>
             <a:lvl6pPr>
-              <a:defRPr sz="2200"/>
+              <a:defRPr sz="2000"/>
             </a:lvl6pPr>
             <a:lvl7pPr>
-              <a:defRPr sz="2200"/>
+              <a:defRPr sz="2000"/>
             </a:lvl7pPr>
             <a:lvl8pPr>
-              <a:defRPr sz="2200"/>
+              <a:defRPr sz="2000"/>
             </a:lvl8pPr>
             <a:lvl9pPr>
-              <a:defRPr sz="2200"/>
+              <a:defRPr sz="2000"/>
             </a:lvl9pPr>
           </a:lstStyle>
           <a:p>
@@ -2028,8 +2028,8 @@
         </p:nvSpPr>
         <p:spPr>
           <a:xfrm>
-            <a:off x="692825" y="2331720"/>
-            <a:ext cx="3244096" cy="4319800"/>
+            <a:off x="629841" y="2057400"/>
+            <a:ext cx="2949178" cy="3811588"/>
           </a:xfrm>
         </p:spPr>
         <p:txBody>
@@ -2037,39 +2037,39 @@
           <a:lstStyle>
             <a:lvl1pPr marL="0" indent="0">
               <a:buNone/>
-              <a:defRPr sz="1760"/>
+              <a:defRPr sz="1600"/>
             </a:lvl1pPr>
-            <a:lvl2pPr marL="502920" indent="0">
-              <a:buNone/>
-              <a:defRPr sz="1540"/>
+            <a:lvl2pPr marL="457200" indent="0">
+              <a:buNone/>
+              <a:defRPr sz="1400"/>
             </a:lvl2pPr>
-            <a:lvl3pPr marL="1005840" indent="0">
-              <a:buNone/>
-              <a:defRPr sz="1320"/>
+            <a:lvl3pPr marL="914400" indent="0">
+              <a:buNone/>
+              <a:defRPr sz="1200"/>
             </a:lvl3pPr>
-            <a:lvl4pPr marL="1508760" indent="0">
-              <a:buNone/>
-              <a:defRPr sz="1100"/>
+            <a:lvl4pPr marL="1371600" indent="0">
+              <a:buNone/>
+              <a:defRPr sz="1000"/>
             </a:lvl4pPr>
-            <a:lvl5pPr marL="2011680" indent="0">
-              <a:buNone/>
-              <a:defRPr sz="1100"/>
+            <a:lvl5pPr marL="1828800" indent="0">
+              <a:buNone/>
+              <a:defRPr sz="1000"/>
             </a:lvl5pPr>
-            <a:lvl6pPr marL="2514600" indent="0">
-              <a:buNone/>
-              <a:defRPr sz="1100"/>
+            <a:lvl6pPr marL="2286000" indent="0">
+              <a:buNone/>
+              <a:defRPr sz="1000"/>
             </a:lvl6pPr>
-            <a:lvl7pPr marL="3017520" indent="0">
-              <a:buNone/>
-              <a:defRPr sz="1100"/>
+            <a:lvl7pPr marL="2743200" indent="0">
+              <a:buNone/>
+              <a:defRPr sz="1000"/>
             </a:lvl7pPr>
-            <a:lvl8pPr marL="3520440" indent="0">
-              <a:buNone/>
-              <a:defRPr sz="1100"/>
+            <a:lvl8pPr marL="3200400" indent="0">
+              <a:buNone/>
+              <a:defRPr sz="1000"/>
             </a:lvl8pPr>
-            <a:lvl9pPr marL="4023360" indent="0">
-              <a:buNone/>
-              <a:defRPr sz="1100"/>
+            <a:lvl9pPr marL="3657600" indent="0">
+              <a:buNone/>
+              <a:defRPr sz="1000"/>
             </a:lvl9pPr>
           </a:lstStyle>
           <a:p>
@@ -2149,7 +2149,7 @@
     </p:spTree>
     <p:extLst>
       <p:ext uri="{BB962C8B-B14F-4D97-AF65-F5344CB8AC3E}">
-        <p14:creationId xmlns:p14="http://schemas.microsoft.com/office/powerpoint/2010/main" val="1197128681"/>
+        <p14:creationId xmlns:p14="http://schemas.microsoft.com/office/powerpoint/2010/main" val="3575079007"/>
       </p:ext>
     </p:extLst>
   </p:cSld>
@@ -2188,15 +2188,15 @@
         </p:nvSpPr>
         <p:spPr>
           <a:xfrm>
-            <a:off x="692825" y="518160"/>
-            <a:ext cx="3244096" cy="1813560"/>
+            <a:off x="629841" y="457200"/>
+            <a:ext cx="2949178" cy="1600200"/>
           </a:xfrm>
         </p:spPr>
         <p:txBody>
           <a:bodyPr anchor="b"/>
           <a:lstStyle>
             <a:lvl1pPr>
-              <a:defRPr sz="3520"/>
+              <a:defRPr sz="3200"/>
             </a:lvl1pPr>
           </a:lstStyle>
           <a:p>
@@ -2220,8 +2220,8 @@
         </p:nvSpPr>
         <p:spPr>
           <a:xfrm>
-            <a:off x="4276130" y="1119083"/>
-            <a:ext cx="5092065" cy="5523442"/>
+            <a:off x="3887391" y="987426"/>
+            <a:ext cx="4629150" cy="4873625"/>
           </a:xfrm>
         </p:spPr>
         <p:txBody>
@@ -2229,39 +2229,39 @@
           <a:lstStyle>
             <a:lvl1pPr marL="0" indent="0">
               <a:buNone/>
-              <a:defRPr sz="3520"/>
+              <a:defRPr sz="3200"/>
             </a:lvl1pPr>
-            <a:lvl2pPr marL="502920" indent="0">
-              <a:buNone/>
-              <a:defRPr sz="3080"/>
+            <a:lvl2pPr marL="457200" indent="0">
+              <a:buNone/>
+              <a:defRPr sz="2800"/>
             </a:lvl2pPr>
-            <a:lvl3pPr marL="1005840" indent="0">
-              <a:buNone/>
-              <a:defRPr sz="2640"/>
+            <a:lvl3pPr marL="914400" indent="0">
+              <a:buNone/>
+              <a:defRPr sz="2400"/>
             </a:lvl3pPr>
-            <a:lvl4pPr marL="1508760" indent="0">
-              <a:buNone/>
-              <a:defRPr sz="2200"/>
+            <a:lvl4pPr marL="1371600" indent="0">
+              <a:buNone/>
+              <a:defRPr sz="2000"/>
             </a:lvl4pPr>
-            <a:lvl5pPr marL="2011680" indent="0">
-              <a:buNone/>
-              <a:defRPr sz="2200"/>
+            <a:lvl5pPr marL="1828800" indent="0">
+              <a:buNone/>
+              <a:defRPr sz="2000"/>
             </a:lvl5pPr>
-            <a:lvl6pPr marL="2514600" indent="0">
-              <a:buNone/>
-              <a:defRPr sz="2200"/>
+            <a:lvl6pPr marL="2286000" indent="0">
+              <a:buNone/>
+              <a:defRPr sz="2000"/>
             </a:lvl6pPr>
-            <a:lvl7pPr marL="3017520" indent="0">
-              <a:buNone/>
-              <a:defRPr sz="2200"/>
+            <a:lvl7pPr marL="2743200" indent="0">
+              <a:buNone/>
+              <a:defRPr sz="2000"/>
             </a:lvl7pPr>
-            <a:lvl8pPr marL="3520440" indent="0">
-              <a:buNone/>
-              <a:defRPr sz="2200"/>
+            <a:lvl8pPr marL="3200400" indent="0">
+              <a:buNone/>
+              <a:defRPr sz="2000"/>
             </a:lvl8pPr>
-            <a:lvl9pPr marL="4023360" indent="0">
-              <a:buNone/>
-              <a:defRPr sz="2200"/>
+            <a:lvl9pPr marL="3657600" indent="0">
+              <a:buNone/>
+              <a:defRPr sz="2000"/>
             </a:lvl9pPr>
           </a:lstStyle>
           <a:p>
@@ -2285,8 +2285,8 @@
         </p:nvSpPr>
         <p:spPr>
           <a:xfrm>
-            <a:off x="692825" y="2331720"/>
-            <a:ext cx="3244096" cy="4319800"/>
+            <a:off x="629841" y="2057400"/>
+            <a:ext cx="2949178" cy="3811588"/>
           </a:xfrm>
         </p:spPr>
         <p:txBody>
@@ -2294,39 +2294,39 @@
           <a:lstStyle>
             <a:lvl1pPr marL="0" indent="0">
               <a:buNone/>
-              <a:defRPr sz="1760"/>
+              <a:defRPr sz="1600"/>
             </a:lvl1pPr>
-            <a:lvl2pPr marL="502920" indent="0">
-              <a:buNone/>
-              <a:defRPr sz="1540"/>
+            <a:lvl2pPr marL="457200" indent="0">
+              <a:buNone/>
+              <a:defRPr sz="1400"/>
             </a:lvl2pPr>
-            <a:lvl3pPr marL="1005840" indent="0">
-              <a:buNone/>
-              <a:defRPr sz="1320"/>
+            <a:lvl3pPr marL="914400" indent="0">
+              <a:buNone/>
+              <a:defRPr sz="1200"/>
             </a:lvl3pPr>
-            <a:lvl4pPr marL="1508760" indent="0">
-              <a:buNone/>
-              <a:defRPr sz="1100"/>
+            <a:lvl4pPr marL="1371600" indent="0">
+              <a:buNone/>
+              <a:defRPr sz="1000"/>
             </a:lvl4pPr>
-            <a:lvl5pPr marL="2011680" indent="0">
-              <a:buNone/>
-              <a:defRPr sz="1100"/>
+            <a:lvl5pPr marL="1828800" indent="0">
+              <a:buNone/>
+              <a:defRPr sz="1000"/>
             </a:lvl5pPr>
-            <a:lvl6pPr marL="2514600" indent="0">
-              <a:buNone/>
-              <a:defRPr sz="1100"/>
+            <a:lvl6pPr marL="2286000" indent="0">
+              <a:buNone/>
+              <a:defRPr sz="1000"/>
             </a:lvl6pPr>
-            <a:lvl7pPr marL="3017520" indent="0">
-              <a:buNone/>
-              <a:defRPr sz="1100"/>
+            <a:lvl7pPr marL="2743200" indent="0">
+              <a:buNone/>
+              <a:defRPr sz="1000"/>
             </a:lvl7pPr>
-            <a:lvl8pPr marL="3520440" indent="0">
-              <a:buNone/>
-              <a:defRPr sz="1100"/>
+            <a:lvl8pPr marL="3200400" indent="0">
+              <a:buNone/>
+              <a:defRPr sz="1000"/>
             </a:lvl8pPr>
-            <a:lvl9pPr marL="4023360" indent="0">
-              <a:buNone/>
-              <a:defRPr sz="1100"/>
+            <a:lvl9pPr marL="3657600" indent="0">
+              <a:buNone/>
+              <a:defRPr sz="1000"/>
             </a:lvl9pPr>
           </a:lstStyle>
           <a:p>
@@ -2406,7 +2406,7 @@
     </p:spTree>
     <p:extLst>
       <p:ext uri="{BB962C8B-B14F-4D97-AF65-F5344CB8AC3E}">
-        <p14:creationId xmlns:p14="http://schemas.microsoft.com/office/powerpoint/2010/main" val="2715601362"/>
+        <p14:creationId xmlns:p14="http://schemas.microsoft.com/office/powerpoint/2010/main" val="2591167581"/>
       </p:ext>
     </p:extLst>
   </p:cSld>
@@ -2450,8 +2450,8 @@
         </p:nvSpPr>
         <p:spPr>
           <a:xfrm>
-            <a:off x="691515" y="413810"/>
-            <a:ext cx="8675370" cy="1502305"/>
+            <a:off x="628650" y="365126"/>
+            <a:ext cx="7886700" cy="1325563"/>
           </a:xfrm>
           <a:prstGeom prst="rect">
             <a:avLst/>
@@ -2483,8 +2483,8 @@
         </p:nvSpPr>
         <p:spPr>
           <a:xfrm>
-            <a:off x="691515" y="2069042"/>
-            <a:ext cx="8675370" cy="4931516"/>
+            <a:off x="628650" y="1825625"/>
+            <a:ext cx="7886700" cy="4351338"/>
           </a:xfrm>
           <a:prstGeom prst="rect">
             <a:avLst/>
@@ -2545,8 +2545,8 @@
         </p:nvSpPr>
         <p:spPr>
           <a:xfrm>
-            <a:off x="691515" y="7203865"/>
-            <a:ext cx="2263140" cy="413808"/>
+            <a:off x="628650" y="6356351"/>
+            <a:ext cx="2057400" cy="365125"/>
           </a:xfrm>
           <a:prstGeom prst="rect">
             <a:avLst/>
@@ -2556,7 +2556,7 @@
           <a:bodyPr vert="horz" lIns="91440" tIns="45720" rIns="91440" bIns="45720" rtlCol="0" anchor="ctr"/>
           <a:lstStyle>
             <a:lvl1pPr algn="l">
-              <a:defRPr sz="1320">
+              <a:defRPr sz="1200">
                 <a:solidFill>
                   <a:schemeClr val="tx1">
                     <a:tint val="82000"/>
@@ -2586,8 +2586,8 @@
         </p:nvSpPr>
         <p:spPr>
           <a:xfrm>
-            <a:off x="3331845" y="7203865"/>
-            <a:ext cx="3394710" cy="413808"/>
+            <a:off x="3028950" y="6356351"/>
+            <a:ext cx="3086100" cy="365125"/>
           </a:xfrm>
           <a:prstGeom prst="rect">
             <a:avLst/>
@@ -2597,7 +2597,7 @@
           <a:bodyPr vert="horz" lIns="91440" tIns="45720" rIns="91440" bIns="45720" rtlCol="0" anchor="ctr"/>
           <a:lstStyle>
             <a:lvl1pPr algn="ctr">
-              <a:defRPr sz="1320">
+              <a:defRPr sz="1200">
                 <a:solidFill>
                   <a:schemeClr val="tx1">
                     <a:tint val="82000"/>
@@ -2623,8 +2623,8 @@
         </p:nvSpPr>
         <p:spPr>
           <a:xfrm>
-            <a:off x="7103745" y="7203865"/>
-            <a:ext cx="2263140" cy="413808"/>
+            <a:off x="6457950" y="6356351"/>
+            <a:ext cx="2057400" cy="365125"/>
           </a:xfrm>
           <a:prstGeom prst="rect">
             <a:avLst/>
@@ -2634,7 +2634,7 @@
           <a:bodyPr vert="horz" lIns="91440" tIns="45720" rIns="91440" bIns="45720" rtlCol="0" anchor="ctr"/>
           <a:lstStyle>
             <a:lvl1pPr algn="r">
-              <a:defRPr sz="1320">
+              <a:defRPr sz="1200">
                 <a:solidFill>
                   <a:schemeClr val="tx1">
                     <a:tint val="82000"/>
@@ -2655,27 +2655,27 @@
     </p:spTree>
     <p:extLst>
       <p:ext uri="{BB962C8B-B14F-4D97-AF65-F5344CB8AC3E}">
-        <p14:creationId xmlns:p14="http://schemas.microsoft.com/office/powerpoint/2010/main" val="74901578"/>
+        <p14:creationId xmlns:p14="http://schemas.microsoft.com/office/powerpoint/2010/main" val="1042950277"/>
       </p:ext>
     </p:extLst>
   </p:cSld>
   <p:clrMap bg1="lt1" tx1="dk1" bg2="lt2" tx2="dk2" accent1="accent1" accent2="accent2" accent3="accent3" accent4="accent4" accent5="accent5" accent6="accent6" hlink="hlink" folHlink="folHlink"/>
   <p:sldLayoutIdLst>
-    <p:sldLayoutId id="2147483685" r:id="rId1"/>
-    <p:sldLayoutId id="2147483686" r:id="rId2"/>
-    <p:sldLayoutId id="2147483687" r:id="rId3"/>
-    <p:sldLayoutId id="2147483688" r:id="rId4"/>
-    <p:sldLayoutId id="2147483689" r:id="rId5"/>
-    <p:sldLayoutId id="2147483690" r:id="rId6"/>
-    <p:sldLayoutId id="2147483691" r:id="rId7"/>
-    <p:sldLayoutId id="2147483692" r:id="rId8"/>
-    <p:sldLayoutId id="2147483693" r:id="rId9"/>
-    <p:sldLayoutId id="2147483694" r:id="rId10"/>
-    <p:sldLayoutId id="2147483695" r:id="rId11"/>
+    <p:sldLayoutId id="2147483697" r:id="rId1"/>
+    <p:sldLayoutId id="2147483698" r:id="rId2"/>
+    <p:sldLayoutId id="2147483699" r:id="rId3"/>
+    <p:sldLayoutId id="2147483700" r:id="rId4"/>
+    <p:sldLayoutId id="2147483701" r:id="rId5"/>
+    <p:sldLayoutId id="2147483702" r:id="rId6"/>
+    <p:sldLayoutId id="2147483703" r:id="rId7"/>
+    <p:sldLayoutId id="2147483704" r:id="rId8"/>
+    <p:sldLayoutId id="2147483705" r:id="rId9"/>
+    <p:sldLayoutId id="2147483706" r:id="rId10"/>
+    <p:sldLayoutId id="2147483707" r:id="rId11"/>
   </p:sldLayoutIdLst>
   <p:txStyles>
     <p:titleStyle>
-      <a:lvl1pPr algn="l" defTabSz="1005840" rtl="0" eaLnBrk="1" latinLnBrk="0" hangingPunct="1">
+      <a:lvl1pPr algn="l" defTabSz="914400" rtl="0" eaLnBrk="1" latinLnBrk="0" hangingPunct="1">
         <a:lnSpc>
           <a:spcPct val="90000"/>
         </a:lnSpc>
@@ -2683,7 +2683,7 @@
           <a:spcPct val="0"/>
         </a:spcBef>
         <a:buNone/>
-        <a:defRPr sz="4840" kern="1200">
+        <a:defRPr sz="4400" kern="1200">
           <a:solidFill>
             <a:schemeClr val="tx1"/>
           </a:solidFill>
@@ -2694,16 +2694,16 @@
       </a:lvl1pPr>
     </p:titleStyle>
     <p:bodyStyle>
-      <a:lvl1pPr marL="251460" indent="-251460" algn="l" defTabSz="1005840" rtl="0" eaLnBrk="1" latinLnBrk="0" hangingPunct="1">
+      <a:lvl1pPr marL="228600" indent="-228600" algn="l" defTabSz="914400" rtl="0" eaLnBrk="1" latinLnBrk="0" hangingPunct="1">
         <a:lnSpc>
           <a:spcPct val="90000"/>
         </a:lnSpc>
         <a:spcBef>
-          <a:spcPts val="1100"/>
+          <a:spcPts val="1000"/>
         </a:spcBef>
         <a:buFont typeface="Arial" panose="020B0604020202020204" pitchFamily="34" charset="0"/>
         <a:buChar char="•"/>
-        <a:defRPr sz="3080" kern="1200">
+        <a:defRPr sz="2800" kern="1200">
           <a:solidFill>
             <a:schemeClr val="tx1"/>
           </a:solidFill>
@@ -2712,16 +2712,16 @@
           <a:cs typeface="+mn-cs"/>
         </a:defRPr>
       </a:lvl1pPr>
-      <a:lvl2pPr marL="754380" indent="-251460" algn="l" defTabSz="1005840" rtl="0" eaLnBrk="1" latinLnBrk="0" hangingPunct="1">
+      <a:lvl2pPr marL="685800" indent="-228600" algn="l" defTabSz="914400" rtl="0" eaLnBrk="1" latinLnBrk="0" hangingPunct="1">
         <a:lnSpc>
           <a:spcPct val="90000"/>
         </a:lnSpc>
         <a:spcBef>
-          <a:spcPts val="550"/>
+          <a:spcPts val="500"/>
         </a:spcBef>
         <a:buFont typeface="Arial" panose="020B0604020202020204" pitchFamily="34" charset="0"/>
         <a:buChar char="•"/>
-        <a:defRPr sz="2640" kern="1200">
+        <a:defRPr sz="2400" kern="1200">
           <a:solidFill>
             <a:schemeClr val="tx1"/>
           </a:solidFill>
@@ -2730,16 +2730,16 @@
           <a:cs typeface="+mn-cs"/>
         </a:defRPr>
       </a:lvl2pPr>
-      <a:lvl3pPr marL="1257300" indent="-251460" algn="l" defTabSz="1005840" rtl="0" eaLnBrk="1" latinLnBrk="0" hangingPunct="1">
+      <a:lvl3pPr marL="1143000" indent="-228600" algn="l" defTabSz="914400" rtl="0" eaLnBrk="1" latinLnBrk="0" hangingPunct="1">
         <a:lnSpc>
           <a:spcPct val="90000"/>
         </a:lnSpc>
         <a:spcBef>
-          <a:spcPts val="550"/>
+          <a:spcPts val="500"/>
         </a:spcBef>
         <a:buFont typeface="Arial" panose="020B0604020202020204" pitchFamily="34" charset="0"/>
         <a:buChar char="•"/>
-        <a:defRPr sz="2200" kern="1200">
+        <a:defRPr sz="2000" kern="1200">
           <a:solidFill>
             <a:schemeClr val="tx1"/>
           </a:solidFill>
@@ -2748,16 +2748,16 @@
           <a:cs typeface="+mn-cs"/>
         </a:defRPr>
       </a:lvl3pPr>
-      <a:lvl4pPr marL="1760220" indent="-251460" algn="l" defTabSz="1005840" rtl="0" eaLnBrk="1" latinLnBrk="0" hangingPunct="1">
+      <a:lvl4pPr marL="1600200" indent="-228600" algn="l" defTabSz="914400" rtl="0" eaLnBrk="1" latinLnBrk="0" hangingPunct="1">
         <a:lnSpc>
           <a:spcPct val="90000"/>
         </a:lnSpc>
         <a:spcBef>
-          <a:spcPts val="550"/>
+          <a:spcPts val="500"/>
         </a:spcBef>
         <a:buFont typeface="Arial" panose="020B0604020202020204" pitchFamily="34" charset="0"/>
         <a:buChar char="•"/>
-        <a:defRPr sz="1980" kern="1200">
+        <a:defRPr sz="1800" kern="1200">
           <a:solidFill>
             <a:schemeClr val="tx1"/>
           </a:solidFill>
@@ -2766,16 +2766,16 @@
           <a:cs typeface="+mn-cs"/>
         </a:defRPr>
       </a:lvl4pPr>
-      <a:lvl5pPr marL="2263140" indent="-251460" algn="l" defTabSz="1005840" rtl="0" eaLnBrk="1" latinLnBrk="0" hangingPunct="1">
+      <a:lvl5pPr marL="2057400" indent="-228600" algn="l" defTabSz="914400" rtl="0" eaLnBrk="1" latinLnBrk="0" hangingPunct="1">
         <a:lnSpc>
           <a:spcPct val="90000"/>
         </a:lnSpc>
         <a:spcBef>
-          <a:spcPts val="550"/>
+          <a:spcPts val="500"/>
         </a:spcBef>
         <a:buFont typeface="Arial" panose="020B0604020202020204" pitchFamily="34" charset="0"/>
         <a:buChar char="•"/>
-        <a:defRPr sz="1980" kern="1200">
+        <a:defRPr sz="1800" kern="1200">
           <a:solidFill>
             <a:schemeClr val="tx1"/>
           </a:solidFill>
@@ -2784,16 +2784,16 @@
           <a:cs typeface="+mn-cs"/>
         </a:defRPr>
       </a:lvl5pPr>
-      <a:lvl6pPr marL="2766060" indent="-251460" algn="l" defTabSz="1005840" rtl="0" eaLnBrk="1" latinLnBrk="0" hangingPunct="1">
+      <a:lvl6pPr marL="2514600" indent="-228600" algn="l" defTabSz="914400" rtl="0" eaLnBrk="1" latinLnBrk="0" hangingPunct="1">
         <a:lnSpc>
           <a:spcPct val="90000"/>
         </a:lnSpc>
         <a:spcBef>
-          <a:spcPts val="550"/>
+          <a:spcPts val="500"/>
         </a:spcBef>
         <a:buFont typeface="Arial" panose="020B0604020202020204" pitchFamily="34" charset="0"/>
         <a:buChar char="•"/>
-        <a:defRPr sz="1980" kern="1200">
+        <a:defRPr sz="1800" kern="1200">
           <a:solidFill>
             <a:schemeClr val="tx1"/>
           </a:solidFill>
@@ -2802,16 +2802,16 @@
           <a:cs typeface="+mn-cs"/>
         </a:defRPr>
       </a:lvl6pPr>
-      <a:lvl7pPr marL="3268980" indent="-251460" algn="l" defTabSz="1005840" rtl="0" eaLnBrk="1" latinLnBrk="0" hangingPunct="1">
+      <a:lvl7pPr marL="2971800" indent="-228600" algn="l" defTabSz="914400" rtl="0" eaLnBrk="1" latinLnBrk="0" hangingPunct="1">
         <a:lnSpc>
           <a:spcPct val="90000"/>
         </a:lnSpc>
         <a:spcBef>
-          <a:spcPts val="550"/>
+          <a:spcPts val="500"/>
         </a:spcBef>
         <a:buFont typeface="Arial" panose="020B0604020202020204" pitchFamily="34" charset="0"/>
         <a:buChar char="•"/>
-        <a:defRPr sz="1980" kern="1200">
+        <a:defRPr sz="1800" kern="1200">
           <a:solidFill>
             <a:schemeClr val="tx1"/>
           </a:solidFill>
@@ -2820,16 +2820,16 @@
           <a:cs typeface="+mn-cs"/>
         </a:defRPr>
       </a:lvl7pPr>
-      <a:lvl8pPr marL="3771900" indent="-251460" algn="l" defTabSz="1005840" rtl="0" eaLnBrk="1" latinLnBrk="0" hangingPunct="1">
+      <a:lvl8pPr marL="3429000" indent="-228600" algn="l" defTabSz="914400" rtl="0" eaLnBrk="1" latinLnBrk="0" hangingPunct="1">
         <a:lnSpc>
           <a:spcPct val="90000"/>
         </a:lnSpc>
         <a:spcBef>
-          <a:spcPts val="550"/>
+          <a:spcPts val="500"/>
         </a:spcBef>
         <a:buFont typeface="Arial" panose="020B0604020202020204" pitchFamily="34" charset="0"/>
         <a:buChar char="•"/>
-        <a:defRPr sz="1980" kern="1200">
+        <a:defRPr sz="1800" kern="1200">
           <a:solidFill>
             <a:schemeClr val="tx1"/>
           </a:solidFill>
@@ -2838,16 +2838,16 @@
           <a:cs typeface="+mn-cs"/>
         </a:defRPr>
       </a:lvl8pPr>
-      <a:lvl9pPr marL="4274820" indent="-251460" algn="l" defTabSz="1005840" rtl="0" eaLnBrk="1" latinLnBrk="0" hangingPunct="1">
+      <a:lvl9pPr marL="3886200" indent="-228600" algn="l" defTabSz="914400" rtl="0" eaLnBrk="1" latinLnBrk="0" hangingPunct="1">
         <a:lnSpc>
           <a:spcPct val="90000"/>
         </a:lnSpc>
         <a:spcBef>
-          <a:spcPts val="550"/>
+          <a:spcPts val="500"/>
         </a:spcBef>
         <a:buFont typeface="Arial" panose="020B0604020202020204" pitchFamily="34" charset="0"/>
         <a:buChar char="•"/>
-        <a:defRPr sz="1980" kern="1200">
+        <a:defRPr sz="1800" kern="1200">
           <a:solidFill>
             <a:schemeClr val="tx1"/>
           </a:solidFill>
@@ -2861,8 +2861,8 @@
       <a:defPPr>
         <a:defRPr lang="en-US"/>
       </a:defPPr>
-      <a:lvl1pPr marL="0" algn="l" defTabSz="1005840" rtl="0" eaLnBrk="1" latinLnBrk="0" hangingPunct="1">
-        <a:defRPr sz="1980" kern="1200">
+      <a:lvl1pPr marL="0" algn="l" defTabSz="914400" rtl="0" eaLnBrk="1" latinLnBrk="0" hangingPunct="1">
+        <a:defRPr sz="1800" kern="1200">
           <a:solidFill>
             <a:schemeClr val="tx1"/>
           </a:solidFill>
@@ -2871,8 +2871,8 @@
           <a:cs typeface="+mn-cs"/>
         </a:defRPr>
       </a:lvl1pPr>
-      <a:lvl2pPr marL="502920" algn="l" defTabSz="1005840" rtl="0" eaLnBrk="1" latinLnBrk="0" hangingPunct="1">
-        <a:defRPr sz="1980" kern="1200">
+      <a:lvl2pPr marL="457200" algn="l" defTabSz="914400" rtl="0" eaLnBrk="1" latinLnBrk="0" hangingPunct="1">
+        <a:defRPr sz="1800" kern="1200">
           <a:solidFill>
             <a:schemeClr val="tx1"/>
           </a:solidFill>
@@ -2881,8 +2881,8 @@
           <a:cs typeface="+mn-cs"/>
         </a:defRPr>
       </a:lvl2pPr>
-      <a:lvl3pPr marL="1005840" algn="l" defTabSz="1005840" rtl="0" eaLnBrk="1" latinLnBrk="0" hangingPunct="1">
-        <a:defRPr sz="1980" kern="1200">
+      <a:lvl3pPr marL="914400" algn="l" defTabSz="914400" rtl="0" eaLnBrk="1" latinLnBrk="0" hangingPunct="1">
+        <a:defRPr sz="1800" kern="1200">
           <a:solidFill>
             <a:schemeClr val="tx1"/>
           </a:solidFill>
@@ -2891,8 +2891,8 @@
           <a:cs typeface="+mn-cs"/>
         </a:defRPr>
       </a:lvl3pPr>
-      <a:lvl4pPr marL="1508760" algn="l" defTabSz="1005840" rtl="0" eaLnBrk="1" latinLnBrk="0" hangingPunct="1">
-        <a:defRPr sz="1980" kern="1200">
+      <a:lvl4pPr marL="1371600" algn="l" defTabSz="914400" rtl="0" eaLnBrk="1" latinLnBrk="0" hangingPunct="1">
+        <a:defRPr sz="1800" kern="1200">
           <a:solidFill>
             <a:schemeClr val="tx1"/>
           </a:solidFill>
@@ -2901,8 +2901,8 @@
           <a:cs typeface="+mn-cs"/>
         </a:defRPr>
       </a:lvl4pPr>
-      <a:lvl5pPr marL="2011680" algn="l" defTabSz="1005840" rtl="0" eaLnBrk="1" latinLnBrk="0" hangingPunct="1">
-        <a:defRPr sz="1980" kern="1200">
+      <a:lvl5pPr marL="1828800" algn="l" defTabSz="914400" rtl="0" eaLnBrk="1" latinLnBrk="0" hangingPunct="1">
+        <a:defRPr sz="1800" kern="1200">
           <a:solidFill>
             <a:schemeClr val="tx1"/>
           </a:solidFill>
@@ -2911,8 +2911,8 @@
           <a:cs typeface="+mn-cs"/>
         </a:defRPr>
       </a:lvl5pPr>
-      <a:lvl6pPr marL="2514600" algn="l" defTabSz="1005840" rtl="0" eaLnBrk="1" latinLnBrk="0" hangingPunct="1">
-        <a:defRPr sz="1980" kern="1200">
+      <a:lvl6pPr marL="2286000" algn="l" defTabSz="914400" rtl="0" eaLnBrk="1" latinLnBrk="0" hangingPunct="1">
+        <a:defRPr sz="1800" kern="1200">
           <a:solidFill>
             <a:schemeClr val="tx1"/>
           </a:solidFill>
@@ -2921,8 +2921,8 @@
           <a:cs typeface="+mn-cs"/>
         </a:defRPr>
       </a:lvl6pPr>
-      <a:lvl7pPr marL="3017520" algn="l" defTabSz="1005840" rtl="0" eaLnBrk="1" latinLnBrk="0" hangingPunct="1">
-        <a:defRPr sz="1980" kern="1200">
+      <a:lvl7pPr marL="2743200" algn="l" defTabSz="914400" rtl="0" eaLnBrk="1" latinLnBrk="0" hangingPunct="1">
+        <a:defRPr sz="1800" kern="1200">
           <a:solidFill>
             <a:schemeClr val="tx1"/>
           </a:solidFill>
@@ -2931,8 +2931,8 @@
           <a:cs typeface="+mn-cs"/>
         </a:defRPr>
       </a:lvl7pPr>
-      <a:lvl8pPr marL="3520440" algn="l" defTabSz="1005840" rtl="0" eaLnBrk="1" latinLnBrk="0" hangingPunct="1">
-        <a:defRPr sz="1980" kern="1200">
+      <a:lvl8pPr marL="3200400" algn="l" defTabSz="914400" rtl="0" eaLnBrk="1" latinLnBrk="0" hangingPunct="1">
+        <a:defRPr sz="1800" kern="1200">
           <a:solidFill>
             <a:schemeClr val="tx1"/>
           </a:solidFill>
@@ -2941,8 +2941,8 @@
           <a:cs typeface="+mn-cs"/>
         </a:defRPr>
       </a:lvl8pPr>
-      <a:lvl9pPr marL="4023360" algn="l" defTabSz="1005840" rtl="0" eaLnBrk="1" latinLnBrk="0" hangingPunct="1">
-        <a:defRPr sz="1980" kern="1200">
+      <a:lvl9pPr marL="3657600" algn="l" defTabSz="914400" rtl="0" eaLnBrk="1" latinLnBrk="0" hangingPunct="1">
+        <a:defRPr sz="1800" kern="1200">
           <a:solidFill>
             <a:schemeClr val="tx1"/>
           </a:solidFill>
@@ -2975,10 +2975,10 @@
       </p:grpSpPr>
       <p:pic>
         <p:nvPicPr>
-          <p:cNvPr id="461" name="Picture 460">
+          <p:cNvPr id="6" name="Picture 5">
             <a:extLst>
               <a:ext uri="{FF2B5EF4-FFF2-40B4-BE49-F238E27FC236}">
-                <a16:creationId xmlns:a16="http://schemas.microsoft.com/office/drawing/2014/main" id="{ABB31236-0223-D470-3D11-CA855DF8A2C6}"/>
+                <a16:creationId xmlns:a16="http://schemas.microsoft.com/office/drawing/2014/main" id="{F1A34B63-A118-2EEE-EDAC-FBE256B70D7B}"/>
               </a:ext>
             </a:extLst>
           </p:cNvPr>
@@ -3005,8 +3005,8 @@
         </p:blipFill>
         <p:spPr>
           <a:xfrm>
-            <a:off x="8" y="21807"/>
-            <a:ext cx="2339733" cy="1385066"/>
+            <a:off x="16889" y="31000"/>
+            <a:ext cx="2339733" cy="1385067"/>
           </a:xfrm>
           <a:prstGeom prst="rect">
             <a:avLst/>
@@ -3045,7 +3045,7 @@
         </p:blipFill>
         <p:spPr>
           <a:xfrm>
-            <a:off x="2377960" y="16056"/>
+            <a:off x="359627" y="5633420"/>
             <a:ext cx="2034133" cy="822400"/>
           </a:xfrm>
           <a:prstGeom prst="rect">
@@ -3085,8 +3085,8 @@
         </p:blipFill>
         <p:spPr>
           <a:xfrm>
-            <a:off x="4576874" y="17322"/>
-            <a:ext cx="1750628" cy="626743"/>
+            <a:off x="2623365" y="10249"/>
+            <a:ext cx="1750628" cy="626744"/>
           </a:xfrm>
           <a:prstGeom prst="rect">
             <a:avLst/>
@@ -3125,7 +3125,7 @@
         </p:blipFill>
         <p:spPr>
           <a:xfrm>
-            <a:off x="4345244" y="654375"/>
+            <a:off x="2393760" y="696915"/>
             <a:ext cx="2216000" cy="301333"/>
           </a:xfrm>
           <a:prstGeom prst="rect">
@@ -3165,7 +3165,7 @@
         </p:blipFill>
         <p:spPr>
           <a:xfrm>
-            <a:off x="4343377" y="956755"/>
+            <a:off x="2393760" y="1000006"/>
             <a:ext cx="2219733" cy="396267"/>
           </a:xfrm>
           <a:prstGeom prst="rect">
@@ -3205,8 +3205,8 @@
         </p:blipFill>
         <p:spPr>
           <a:xfrm>
-            <a:off x="4470477" y="1353022"/>
-            <a:ext cx="1988800" cy="402133"/>
+            <a:off x="2518444" y="1402234"/>
+            <a:ext cx="1988801" cy="402133"/>
           </a:xfrm>
           <a:prstGeom prst="rect">
             <a:avLst/>
@@ -3245,7 +3245,7 @@
         </p:blipFill>
         <p:spPr>
           <a:xfrm>
-            <a:off x="7087309" y="600761"/>
+            <a:off x="6175617" y="1593794"/>
             <a:ext cx="2882438" cy="2819047"/>
           </a:xfrm>
           <a:prstGeom prst="rect">
@@ -3285,7 +3285,7 @@
         </p:blipFill>
         <p:spPr>
           <a:xfrm>
-            <a:off x="151121" y="1584602"/>
+            <a:off x="168000" y="1593794"/>
             <a:ext cx="2045868" cy="1835206"/>
           </a:xfrm>
           <a:prstGeom prst="rect">
@@ -3325,7 +3325,7 @@
         </p:blipFill>
         <p:spPr>
           <a:xfrm>
-            <a:off x="2093015" y="871462"/>
+            <a:off x="7098336" y="68409"/>
             <a:ext cx="1922668" cy="545068"/>
           </a:xfrm>
           <a:prstGeom prst="rect">
@@ -3365,8 +3365,8 @@
         </p:blipFill>
         <p:spPr>
           <a:xfrm>
-            <a:off x="1923177" y="1468812"/>
-            <a:ext cx="2362133" cy="741867"/>
+            <a:off x="6720883" y="749769"/>
+            <a:ext cx="2362133" cy="741868"/>
           </a:xfrm>
           <a:prstGeom prst="rect">
             <a:avLst/>
@@ -3405,7 +3405,7 @@
         </p:blipFill>
         <p:spPr>
           <a:xfrm>
-            <a:off x="69065" y="3472090"/>
+            <a:off x="85945" y="3481283"/>
             <a:ext cx="2657600" cy="407467"/>
           </a:xfrm>
           <a:prstGeom prst="rect">
@@ -3445,7 +3445,7 @@
         </p:blipFill>
         <p:spPr>
           <a:xfrm>
-            <a:off x="64880" y="3973945"/>
+            <a:off x="81761" y="3983137"/>
             <a:ext cx="2713600" cy="739200"/>
           </a:xfrm>
           <a:prstGeom prst="rect">
@@ -3485,7 +3485,7 @@
         </p:blipFill>
         <p:spPr>
           <a:xfrm>
-            <a:off x="64880" y="4761290"/>
+            <a:off x="81761" y="4770484"/>
             <a:ext cx="2589867" cy="752533"/>
           </a:xfrm>
           <a:prstGeom prst="rect">
@@ -3525,7 +3525,7 @@
         </p:blipFill>
         <p:spPr>
           <a:xfrm>
-            <a:off x="2900032" y="2326469"/>
+            <a:off x="2895621" y="1970376"/>
             <a:ext cx="1589868" cy="1619201"/>
           </a:xfrm>
           <a:prstGeom prst="rect">
@@ -3535,10 +3535,10 @@
       </p:pic>
       <p:pic>
         <p:nvPicPr>
-          <p:cNvPr id="451" name="Picture 450">
+          <p:cNvPr id="8" name="Picture 7">
             <a:extLst>
               <a:ext uri="{FF2B5EF4-FFF2-40B4-BE49-F238E27FC236}">
-                <a16:creationId xmlns:a16="http://schemas.microsoft.com/office/drawing/2014/main" id="{7F15F1A9-29EA-53E2-9701-5FAC6D96F3BA}"/>
+                <a16:creationId xmlns:a16="http://schemas.microsoft.com/office/drawing/2014/main" id="{097A7F13-B566-36F1-6902-2AC9D4E06CB6}"/>
               </a:ext>
             </a:extLst>
           </p:cNvPr>
@@ -3565,8 +3565,8 @@
         </p:blipFill>
         <p:spPr>
           <a:xfrm>
-            <a:off x="4542910" y="1839745"/>
-            <a:ext cx="2733106" cy="1194668"/>
+            <a:off x="4467745" y="16143"/>
+            <a:ext cx="2536839" cy="1194668"/>
           </a:xfrm>
           <a:prstGeom prst="rect">
             <a:avLst/>
@@ -3605,7 +3605,7 @@
         </p:blipFill>
         <p:spPr>
           <a:xfrm>
-            <a:off x="7058218" y="4858102"/>
+            <a:off x="6065950" y="4760013"/>
             <a:ext cx="3017066" cy="1591471"/>
           </a:xfrm>
           <a:prstGeom prst="rect">
@@ -3750,12 +3750,12 @@
 <p:tagLst xmlns:a="http://schemas.openxmlformats.org/drawingml/2006/main" xmlns:r="http://schemas.openxmlformats.org/officeDocument/2006/relationships" xmlns:p="http://schemas.openxmlformats.org/presentationml/2006/main">
   <p:tag name="OUTPUTDPI" val="1200"/>
   <p:tag name="ORIGINALHEIGHT" val="1469.816"/>
-  <p:tag name="ORIGINALWIDTH" val="3362.58"/>
+  <p:tag name="ORIGINALWIDTH" val="3121.11"/>
   <p:tag name="OUTPUTTYPE" val="PNG"/>
   <p:tag name="IGUANATEXVERSION" val="161"/>
-  <p:tag name="LATEXADDIN" val="\documentclass{article}&#10;\usepackage{amsmath}&#10;\pagestyle{empty}&#10;\begin{document}&#10;&#10;\centering &#10;\textbf{Feedback Control(lability)}&#10;&#10;Use feedback $u=-Kx$, so $\dot{x} = (A-BK)x$&#10;&#10;To set eigenvalues, find char. eqn. of $\bar{A}=(A-BK)$&#10;&#10;and set equal to a desired char. eqn. after picking eigenvalues&#10;&#10;Let $\Gamma = [B, AB, A^2B, \dots,A^{n-1}B]$&#10;&#10;Controllable if:&#10;&#10;a) $rank([\lambda I-A, B]) = n \forall \lambda$&#10;&#10;or b) $rank(\Gamma)=n$&#10;&#10;Stabilizable if:&#10;&#10;$rank([\lambda I-A, B]) = n \forall \lambda s.t. Re(\lambda) \geq 0$&#10;&#10;&#10;\end{document}"/>
+  <p:tag name="LATEXADDIN" val="\documentclass{article}&#10;\usepackage{amsmath}&#10;\pagestyle{empty}&#10;\begin{document}&#10;&#10;\centering &#10;\textbf{Feedback Control(lability)}&#10;&#10;Use feedback $u=-Kx$, so $\dot{x} = (A-BK)x$&#10;&#10;To set eigenvalues, find char. eqn. of $\bar{A}=(A-BK)$ and &#10;&#10;set equal to a desired char. eqn. after picking eigenvalues&#10;&#10;Let $\Gamma = [B, AB, A^2B, \dots,A^{n-1}B]$&#10;&#10;Controllable if:&#10;&#10;a) $rank([\lambda I-A, B]) = n \forall \lambda$&#10;&#10;or b) $rank(\Gamma)=n$&#10;&#10;Stabilizable if:&#10;&#10;$rank([\lambda I-A, B]) = n \forall \lambda s.t. Re(\lambda) \geq 0$&#10;&#10;&#10;\end{document}"/>
   <p:tag name="IGUANATEXSIZE" val="8"/>
-  <p:tag name="IGUANATEXCURSOR" val="296"/>
+  <p:tag name="IGUANATEXCURSOR" val="238"/>
   <p:tag name="TRANSPARENCY" val="True"/>
   <p:tag name="LATEXENGINEID" val="0"/>
   <p:tag name="TEMPFOLDER" val="c:\temp\"/>

--- a/Exams/midtermEqnSheet.pptx
+++ b/Exams/midtermEqnSheet.pptx
@@ -243,7 +243,7 @@
           <a:p>
             <a:fld id="{91AFA872-14BF-4700-88F3-DF8E8C79CE7B}" type="datetimeFigureOut">
               <a:rPr lang="en-US" smtClean="0"/>
-              <a:t>10/14/2024</a:t>
+              <a:t>10/15/2024</a:t>
             </a:fld>
             <a:endParaRPr lang="en-US"/>
           </a:p>
@@ -413,7 +413,7 @@
           <a:p>
             <a:fld id="{91AFA872-14BF-4700-88F3-DF8E8C79CE7B}" type="datetimeFigureOut">
               <a:rPr lang="en-US" smtClean="0"/>
-              <a:t>10/14/2024</a:t>
+              <a:t>10/15/2024</a:t>
             </a:fld>
             <a:endParaRPr lang="en-US"/>
           </a:p>
@@ -593,7 +593,7 @@
           <a:p>
             <a:fld id="{91AFA872-14BF-4700-88F3-DF8E8C79CE7B}" type="datetimeFigureOut">
               <a:rPr lang="en-US" smtClean="0"/>
-              <a:t>10/14/2024</a:t>
+              <a:t>10/15/2024</a:t>
             </a:fld>
             <a:endParaRPr lang="en-US"/>
           </a:p>
@@ -763,7 +763,7 @@
           <a:p>
             <a:fld id="{91AFA872-14BF-4700-88F3-DF8E8C79CE7B}" type="datetimeFigureOut">
               <a:rPr lang="en-US" smtClean="0"/>
-              <a:t>10/14/2024</a:t>
+              <a:t>10/15/2024</a:t>
             </a:fld>
             <a:endParaRPr lang="en-US"/>
           </a:p>
@@ -1009,7 +1009,7 @@
           <a:p>
             <a:fld id="{91AFA872-14BF-4700-88F3-DF8E8C79CE7B}" type="datetimeFigureOut">
               <a:rPr lang="en-US" smtClean="0"/>
-              <a:t>10/14/2024</a:t>
+              <a:t>10/15/2024</a:t>
             </a:fld>
             <a:endParaRPr lang="en-US"/>
           </a:p>
@@ -1241,7 +1241,7 @@
           <a:p>
             <a:fld id="{91AFA872-14BF-4700-88F3-DF8E8C79CE7B}" type="datetimeFigureOut">
               <a:rPr lang="en-US" smtClean="0"/>
-              <a:t>10/14/2024</a:t>
+              <a:t>10/15/2024</a:t>
             </a:fld>
             <a:endParaRPr lang="en-US"/>
           </a:p>
@@ -1608,7 +1608,7 @@
           <a:p>
             <a:fld id="{91AFA872-14BF-4700-88F3-DF8E8C79CE7B}" type="datetimeFigureOut">
               <a:rPr lang="en-US" smtClean="0"/>
-              <a:t>10/14/2024</a:t>
+              <a:t>10/15/2024</a:t>
             </a:fld>
             <a:endParaRPr lang="en-US"/>
           </a:p>
@@ -1726,7 +1726,7 @@
           <a:p>
             <a:fld id="{91AFA872-14BF-4700-88F3-DF8E8C79CE7B}" type="datetimeFigureOut">
               <a:rPr lang="en-US" smtClean="0"/>
-              <a:t>10/14/2024</a:t>
+              <a:t>10/15/2024</a:t>
             </a:fld>
             <a:endParaRPr lang="en-US"/>
           </a:p>
@@ -1821,7 +1821,7 @@
           <a:p>
             <a:fld id="{91AFA872-14BF-4700-88F3-DF8E8C79CE7B}" type="datetimeFigureOut">
               <a:rPr lang="en-US" smtClean="0"/>
-              <a:t>10/14/2024</a:t>
+              <a:t>10/15/2024</a:t>
             </a:fld>
             <a:endParaRPr lang="en-US"/>
           </a:p>
@@ -2098,7 +2098,7 @@
           <a:p>
             <a:fld id="{91AFA872-14BF-4700-88F3-DF8E8C79CE7B}" type="datetimeFigureOut">
               <a:rPr lang="en-US" smtClean="0"/>
-              <a:t>10/14/2024</a:t>
+              <a:t>10/15/2024</a:t>
             </a:fld>
             <a:endParaRPr lang="en-US"/>
           </a:p>
@@ -2355,7 +2355,7 @@
           <a:p>
             <a:fld id="{91AFA872-14BF-4700-88F3-DF8E8C79CE7B}" type="datetimeFigureOut">
               <a:rPr lang="en-US" smtClean="0"/>
-              <a:t>10/14/2024</a:t>
+              <a:t>10/15/2024</a:t>
             </a:fld>
             <a:endParaRPr lang="en-US"/>
           </a:p>
@@ -2568,7 +2568,7 @@
           <a:p>
             <a:fld id="{91AFA872-14BF-4700-88F3-DF8E8C79CE7B}" type="datetimeFigureOut">
               <a:rPr lang="en-US" smtClean="0"/>
-              <a:t>10/14/2024</a:t>
+              <a:t>10/15/2024</a:t>
             </a:fld>
             <a:endParaRPr lang="en-US"/>
           </a:p>
@@ -2975,10 +2975,10 @@
       </p:grpSpPr>
       <p:pic>
         <p:nvPicPr>
-          <p:cNvPr id="6" name="Picture 5">
+          <p:cNvPr id="10" name="Picture 9" descr="\documentclass{article}&#10;\usepackage{amsmath, amssymb}&#10;\pagestyle{empty}&#10;\begin{document}&#10;\centering&#10;\textbf{Linear Algebra Review}&#10;&#10;$N(V)=\{x \in \mathbb{R} \mid Vx=0 \}$&#10;&#10;$Im(V)= \{z \in \mathbb{R}^n \mid \exists x \in \mathbb{R}^n s.t. Vx=z \}$&#10;&#10;$N(V) = (Im(V))^{\perp}$&#10;&#10;$Im(V) = N(V^T)$&#10;&#10;$S^\perp = \{x \in \mathbb{R}^n \vert x^Tz = 0\forall x \in S \}$ (S: subspace)&#10;&#10;$v \cdot u = 0 \implies v\perp u$&#10;&#10;$V\in \mathbb{R}^{n\times n} \implies dim(N(V))+dim(Im(V))=n$&#10;&#10;$V$ non-singular if $V^{-1}$ exists and $implies$&#10;&#10;$N(V)=\{0\}$, all rows/columns of V are linearly independent&#10;&#10;$det(V)\neq 0$, Eigenvalues non-zero, and $rank(V)=n$&#10;&#10;and $N(V)$ is the zero-element and zero dimensional&#10;&#10;$\chi _V (\lambda ) = det(\lambda I - V)=0$&#10;&#10;$\begin{bmatrix}&#10;a &amp; b \\ c &amp; d&#10;\end{bmatrix}^{-1} = \frac{1}{ad-bc}\begin{bmatrix}&#10;d &amp; -b \\ -c &amp; a&#10;\end{bmatrix}$&#10;&#10;&#10;&#10;&#10;\end{document}" title="IguanaTex Picture Display">
             <a:extLst>
               <a:ext uri="{FF2B5EF4-FFF2-40B4-BE49-F238E27FC236}">
-                <a16:creationId xmlns:a16="http://schemas.microsoft.com/office/drawing/2014/main" id="{F1A34B63-A118-2EEE-EDAC-FBE256B70D7B}"/>
+                <a16:creationId xmlns:a16="http://schemas.microsoft.com/office/drawing/2014/main" id="{7092AE57-7B19-FA13-3C4B-904D57ED2600}"/>
               </a:ext>
             </a:extLst>
           </p:cNvPr>
@@ -2992,7 +2992,7 @@
           </p:nvPr>
         </p:nvPicPr>
         <p:blipFill>
-          <a:blip r:embed="rId18">
+          <a:blip r:embed="rId19">
             <a:extLst>
               <a:ext uri="{28A0092B-C50C-407E-A947-70E740481C1C}">
                 <a14:useLocalDpi xmlns:a14="http://schemas.microsoft.com/office/drawing/2010/main" val="0"/>
@@ -3005,8 +3005,8 @@
         </p:blipFill>
         <p:spPr>
           <a:xfrm>
-            <a:off x="16889" y="31000"/>
-            <a:ext cx="2339733" cy="1385067"/>
+            <a:off x="16892" y="31000"/>
+            <a:ext cx="2339733" cy="1597867"/>
           </a:xfrm>
           <a:prstGeom prst="rect">
             <a:avLst/>
@@ -3032,7 +3032,7 @@
           </p:nvPr>
         </p:nvPicPr>
         <p:blipFill>
-          <a:blip r:embed="rId19">
+          <a:blip r:embed="rId20">
             <a:extLst>
               <a:ext uri="{28A0092B-C50C-407E-A947-70E740481C1C}">
                 <a14:useLocalDpi xmlns:a14="http://schemas.microsoft.com/office/drawing/2010/main" val="0"/>
@@ -3045,7 +3045,7 @@
         </p:blipFill>
         <p:spPr>
           <a:xfrm>
-            <a:off x="359627" y="5633420"/>
+            <a:off x="359627" y="5749885"/>
             <a:ext cx="2034133" cy="822400"/>
           </a:xfrm>
           <a:prstGeom prst="rect">
@@ -3072,7 +3072,7 @@
           </p:nvPr>
         </p:nvPicPr>
         <p:blipFill>
-          <a:blip r:embed="rId20">
+          <a:blip r:embed="rId21">
             <a:extLst>
               <a:ext uri="{28A0092B-C50C-407E-A947-70E740481C1C}">
                 <a14:useLocalDpi xmlns:a14="http://schemas.microsoft.com/office/drawing/2010/main" val="0"/>
@@ -3112,7 +3112,7 @@
           </p:nvPr>
         </p:nvPicPr>
         <p:blipFill>
-          <a:blip r:embed="rId21">
+          <a:blip r:embed="rId22">
             <a:extLst>
               <a:ext uri="{28A0092B-C50C-407E-A947-70E740481C1C}">
                 <a14:useLocalDpi xmlns:a14="http://schemas.microsoft.com/office/drawing/2010/main" val="0"/>
@@ -3152,7 +3152,7 @@
           </p:nvPr>
         </p:nvPicPr>
         <p:blipFill>
-          <a:blip r:embed="rId22">
+          <a:blip r:embed="rId23">
             <a:extLst>
               <a:ext uri="{28A0092B-C50C-407E-A947-70E740481C1C}">
                 <a14:useLocalDpi xmlns:a14="http://schemas.microsoft.com/office/drawing/2010/main" val="0"/>
@@ -3192,7 +3192,7 @@
           </p:nvPr>
         </p:nvPicPr>
         <p:blipFill>
-          <a:blip r:embed="rId23">
+          <a:blip r:embed="rId24">
             <a:extLst>
               <a:ext uri="{28A0092B-C50C-407E-A947-70E740481C1C}">
                 <a14:useLocalDpi xmlns:a14="http://schemas.microsoft.com/office/drawing/2010/main" val="0"/>
@@ -3232,46 +3232,6 @@
           </p:nvPr>
         </p:nvPicPr>
         <p:blipFill>
-          <a:blip r:embed="rId24">
-            <a:extLst>
-              <a:ext uri="{28A0092B-C50C-407E-A947-70E740481C1C}">
-                <a14:useLocalDpi xmlns:a14="http://schemas.microsoft.com/office/drawing/2010/main" val="0"/>
-              </a:ext>
-            </a:extLst>
-          </a:blip>
-          <a:stretch>
-            <a:fillRect/>
-          </a:stretch>
-        </p:blipFill>
-        <p:spPr>
-          <a:xfrm>
-            <a:off x="6175617" y="1593794"/>
-            <a:ext cx="2882438" cy="2819047"/>
-          </a:xfrm>
-          <a:prstGeom prst="rect">
-            <a:avLst/>
-          </a:prstGeom>
-        </p:spPr>
-      </p:pic>
-      <p:pic>
-        <p:nvPicPr>
-          <p:cNvPr id="313" name="Picture 312">
-            <a:extLst>
-              <a:ext uri="{FF2B5EF4-FFF2-40B4-BE49-F238E27FC236}">
-                <a16:creationId xmlns:a16="http://schemas.microsoft.com/office/drawing/2014/main" id="{53BE565F-B373-89BD-5E70-A08EC5CB26BA}"/>
-              </a:ext>
-            </a:extLst>
-          </p:cNvPr>
-          <p:cNvPicPr>
-            <a:picLocks noChangeAspect="1"/>
-          </p:cNvPicPr>
-          <p:nvPr>
-            <p:custDataLst>
-              <p:tags r:id="rId8"/>
-            </p:custDataLst>
-          </p:nvPr>
-        </p:nvPicPr>
-        <p:blipFill>
           <a:blip r:embed="rId25">
             <a:extLst>
               <a:ext uri="{28A0092B-C50C-407E-A947-70E740481C1C}">
@@ -3285,8 +3245,8 @@
         </p:blipFill>
         <p:spPr>
           <a:xfrm>
-            <a:off x="168000" y="1593794"/>
-            <a:ext cx="2045868" cy="1835206"/>
+            <a:off x="6175617" y="1716301"/>
+            <a:ext cx="2882438" cy="2819047"/>
           </a:xfrm>
           <a:prstGeom prst="rect">
             <a:avLst/>
@@ -3295,10 +3255,10 @@
       </p:pic>
       <p:pic>
         <p:nvPicPr>
-          <p:cNvPr id="301" name="Picture 300">
+          <p:cNvPr id="22" name="Picture 21" descr="\documentclass{article}&#10;\usepackage{amsmath}&#10;\pagestyle{empty}&#10;\begin{document}&#10;\centering&#10;\textbf{Solution to Linear System}&#10;&#10;$x(t) = \Phi(t,t_0)x_0 + \int_{t_0}^t\Phi(t,\tau)B(\tau)u(\tau)d\tau$&#10;&#10;$\Phi(t,\tau)$: state transition matrix&#10;&#10;(i)$\frac{d}{dt}\Phi(t,\tau)=A(t)\Phi(t,\tau)$&#10;&#10;(ii)$\frac{d}{d\tau}\Phi(t,\tau)=\Phi(t,\tau)A(\tau)$&#10;&#10;(iii)$\Phi(t,t) = I$&#10;&#10;(iv)$\Phi(t_1,t_0)^{-1}=\Phi(t_0,t_1)$&#10;&#10;(v)$\Phi(t_2,t_0) = \Phi(t_2,t_1)\Phi(t_1,t_0)$&#10;&#10;For LTI, $\Phi(t,t_0)=e^{A(t-t_0)}$&#10;&#10;\textit{Matrix Exponential}&#10;&#10;$e^{At} = \sum_{k=0}^\infty \frac{A^k t^k}{k!}$&#10;&#10;$e^{At} = \mathcal{L}^{-1}(sI-A)^{-1}$&#10;&#10;if A (block) diagonal, &#10;&#10;$A^k= \begin{bmatrix}&#10;A_{11}^k &amp; 0 \\ 0 &amp; A_{22}^k&#10;\end{bmatrix}$ and $e^{At}=\begin{bmatrix}&#10;e^{A_{11}t} &amp; 0 \\ 0 &amp; e^{A_{22}t}&#10;\end{bmatrix}$&#10;&#10;$\mu = \begin{bmatrix}&#10;\sigma &amp; \omega \\ -\omega &amp; \sigma&#10;\end{bmatrix} \implies e^{\mu t}=\begin{bmatrix}&#10;e^{\sigma t}\cos (\omega t) &amp; e^{\sigma t}\sin (\omega t) \\ -e^{\sigma t}\sin (\omega t) &amp; e^{\sigma t}\cos (\omega t)&#10;\end{bmatrix}$&#10;&#10;&#10;&#10;&#10;\end{document}" title="IguanaTex Picture Display">
             <a:extLst>
               <a:ext uri="{FF2B5EF4-FFF2-40B4-BE49-F238E27FC236}">
-                <a16:creationId xmlns:a16="http://schemas.microsoft.com/office/drawing/2014/main" id="{899ACB1E-53A9-C5FD-3151-EAE3D6C6C6EE}"/>
+                <a16:creationId xmlns:a16="http://schemas.microsoft.com/office/drawing/2014/main" id="{AD59F811-0C5D-A873-690B-2F374B9BB71B}"/>
               </a:ext>
             </a:extLst>
           </p:cNvPr>
@@ -3307,7 +3267,7 @@
           </p:cNvPicPr>
           <p:nvPr>
             <p:custDataLst>
-              <p:tags r:id="rId9"/>
+              <p:tags r:id="rId8"/>
             </p:custDataLst>
           </p:nvPr>
         </p:nvPicPr>
@@ -3325,8 +3285,48 @@
         </p:blipFill>
         <p:spPr>
           <a:xfrm>
-            <a:off x="7098336" y="68409"/>
-            <a:ext cx="1922668" cy="545068"/>
+            <a:off x="182559" y="1668684"/>
+            <a:ext cx="2045868" cy="1835206"/>
+          </a:xfrm>
+          <a:prstGeom prst="rect">
+            <a:avLst/>
+          </a:prstGeom>
+        </p:spPr>
+      </p:pic>
+      <p:pic>
+        <p:nvPicPr>
+          <p:cNvPr id="26" name="Picture 25" descr="\documentclass{article}&#10;\usepackage{amsmath}&#10;\pagestyle{empty}&#10;\begin{document}&#10;&#10;\centering&#10;&#10;\textbf{Discretization}&#10;&#10;$x_{k+1} = \bar{A}x_k + \bar{B}u_k$&#10;&#10;Exact: $\bar{A}=e^{AT}$, $\bar{B} = \int_0^T e^{A(T-\tau)}d\tau B$, $\bar{C} = C$&#10;&#10;(Exact assumes constant control over &#10;&#10;discretization time interval)&#10;&#10;Solving $\bar{B}$, subsitute new $s=T-\tau$ where $T=\frac{1}{f_s}$&#10;&#10;Euler: $\bar{A}=I+TA$, $\bar{B} = TB$&#10;&#10;&#10;&#10;\end{document}" title="IguanaTex Picture Display">
+            <a:extLst>
+              <a:ext uri="{FF2B5EF4-FFF2-40B4-BE49-F238E27FC236}">
+                <a16:creationId xmlns:a16="http://schemas.microsoft.com/office/drawing/2014/main" id="{0AC77B87-C77C-3319-4F35-431029F53661}"/>
+              </a:ext>
+            </a:extLst>
+          </p:cNvPr>
+          <p:cNvPicPr>
+            <a:picLocks noChangeAspect="1"/>
+          </p:cNvPicPr>
+          <p:nvPr>
+            <p:custDataLst>
+              <p:tags r:id="rId9"/>
+            </p:custDataLst>
+          </p:nvPr>
+        </p:nvPicPr>
+        <p:blipFill>
+          <a:blip r:embed="rId27">
+            <a:extLst>
+              <a:ext uri="{28A0092B-C50C-407E-A947-70E740481C1C}">
+                <a14:useLocalDpi xmlns:a14="http://schemas.microsoft.com/office/drawing/2010/main" val="0"/>
+              </a:ext>
+            </a:extLst>
+          </a:blip>
+          <a:stretch>
+            <a:fillRect/>
+          </a:stretch>
+        </p:blipFill>
+        <p:spPr>
+          <a:xfrm>
+            <a:off x="7004584" y="31000"/>
+            <a:ext cx="1922668" cy="748802"/>
           </a:xfrm>
           <a:prstGeom prst="rect">
             <a:avLst/>
@@ -3352,7 +3352,7 @@
           </p:nvPr>
         </p:nvPicPr>
         <p:blipFill>
-          <a:blip r:embed="rId27">
+          <a:blip r:embed="rId28">
             <a:extLst>
               <a:ext uri="{28A0092B-C50C-407E-A947-70E740481C1C}">
                 <a14:useLocalDpi xmlns:a14="http://schemas.microsoft.com/office/drawing/2010/main" val="0"/>
@@ -3365,7 +3365,7 @@
         </p:blipFill>
         <p:spPr>
           <a:xfrm>
-            <a:off x="6720883" y="749769"/>
+            <a:off x="6716436" y="862101"/>
             <a:ext cx="2362133" cy="741868"/>
           </a:xfrm>
           <a:prstGeom prst="rect">
@@ -3392,7 +3392,7 @@
           </p:nvPr>
         </p:nvPicPr>
         <p:blipFill>
-          <a:blip r:embed="rId28">
+          <a:blip r:embed="rId29">
             <a:extLst>
               <a:ext uri="{28A0092B-C50C-407E-A947-70E740481C1C}">
                 <a14:useLocalDpi xmlns:a14="http://schemas.microsoft.com/office/drawing/2010/main" val="0"/>
@@ -3405,7 +3405,7 @@
         </p:blipFill>
         <p:spPr>
           <a:xfrm>
-            <a:off x="85945" y="3481283"/>
+            <a:off x="85945" y="3542591"/>
             <a:ext cx="2657600" cy="407467"/>
           </a:xfrm>
           <a:prstGeom prst="rect">
@@ -3432,7 +3432,7 @@
           </p:nvPr>
         </p:nvPicPr>
         <p:blipFill>
-          <a:blip r:embed="rId29">
+          <a:blip r:embed="rId30">
             <a:extLst>
               <a:ext uri="{28A0092B-C50C-407E-A947-70E740481C1C}">
                 <a14:useLocalDpi xmlns:a14="http://schemas.microsoft.com/office/drawing/2010/main" val="0"/>
@@ -3445,7 +3445,7 @@
         </p:blipFill>
         <p:spPr>
           <a:xfrm>
-            <a:off x="81761" y="3983137"/>
+            <a:off x="85945" y="4043241"/>
             <a:ext cx="2713600" cy="739200"/>
           </a:xfrm>
           <a:prstGeom prst="rect">
@@ -3472,7 +3472,7 @@
           </p:nvPr>
         </p:nvPicPr>
         <p:blipFill>
-          <a:blip r:embed="rId30">
+          <a:blip r:embed="rId31">
             <a:extLst>
               <a:ext uri="{28A0092B-C50C-407E-A947-70E740481C1C}">
                 <a14:useLocalDpi xmlns:a14="http://schemas.microsoft.com/office/drawing/2010/main" val="0"/>
@@ -3485,7 +3485,7 @@
         </p:blipFill>
         <p:spPr>
           <a:xfrm>
-            <a:off x="81761" y="4770484"/>
+            <a:off x="87762" y="4859844"/>
             <a:ext cx="2589867" cy="752533"/>
           </a:xfrm>
           <a:prstGeom prst="rect">
@@ -3512,7 +3512,7 @@
           </p:nvPr>
         </p:nvPicPr>
         <p:blipFill>
-          <a:blip r:embed="rId31">
+          <a:blip r:embed="rId32">
             <a:extLst>
               <a:ext uri="{28A0092B-C50C-407E-A947-70E740481C1C}">
                 <a14:useLocalDpi xmlns:a14="http://schemas.microsoft.com/office/drawing/2010/main" val="0"/>
@@ -3552,7 +3552,7 @@
           </p:nvPr>
         </p:nvPicPr>
         <p:blipFill>
-          <a:blip r:embed="rId32">
+          <a:blip r:embed="rId33">
             <a:extLst>
               <a:ext uri="{28A0092B-C50C-407E-A947-70E740481C1C}">
                 <a14:useLocalDpi xmlns:a14="http://schemas.microsoft.com/office/drawing/2010/main" val="0"/>
@@ -3592,7 +3592,7 @@
           </p:nvPr>
         </p:nvPicPr>
         <p:blipFill>
-          <a:blip r:embed="rId33">
+          <a:blip r:embed="rId34">
             <a:extLst>
               <a:ext uri="{28A0092B-C50C-407E-A947-70E740481C1C}">
                 <a14:useLocalDpi xmlns:a14="http://schemas.microsoft.com/office/drawing/2010/main" val="0"/>
@@ -3607,6 +3607,46 @@
           <a:xfrm>
             <a:off x="6065950" y="4760013"/>
             <a:ext cx="3017066" cy="1591471"/>
+          </a:xfrm>
+          <a:prstGeom prst="rect">
+            <a:avLst/>
+          </a:prstGeom>
+        </p:spPr>
+      </p:pic>
+      <p:pic>
+        <p:nvPicPr>
+          <p:cNvPr id="34" name="Picture 33" descr="\documentclass{article}&#10;\usepackage{amsmath}&#10;\pagestyle{empty}&#10;\begin{document}&#10;&#10;Linearization around an eq. point for nonlinear system $\dot{x} =f(x,u)$ will always result in LTI system (also uses Jacobian and Taylor expansion)&#10;&#10;Linearization around a traj. can possilby produce LTI&#10;&#10;Feedback linearization is not always possible (or recommended)&#10;&#10;You cannot always find a similarity transform to diagonalize the system.&#10;&#10;$m$ repeated, real eigenvalues will have $m\times m$ Jordan block&#10;&#10;Poles are a subset of the eigenvalues (GAS implies BIBO, not vice versa)&#10;&#10;A GAS LTI system will also be GES&#10;&#10;\end{document}" title="IguanaTex Picture Display">
+            <a:extLst>
+              <a:ext uri="{FF2B5EF4-FFF2-40B4-BE49-F238E27FC236}">
+                <a16:creationId xmlns:a16="http://schemas.microsoft.com/office/drawing/2014/main" id="{B3CF6318-096C-1BC0-82A7-419C0C0C19FC}"/>
+              </a:ext>
+            </a:extLst>
+          </p:cNvPr>
+          <p:cNvPicPr>
+            <a:picLocks noChangeAspect="1"/>
+          </p:cNvPicPr>
+          <p:nvPr>
+            <p:custDataLst>
+              <p:tags r:id="rId17"/>
+            </p:custDataLst>
+          </p:nvPr>
+        </p:nvPicPr>
+        <p:blipFill>
+          <a:blip r:embed="rId35">
+            <a:extLst>
+              <a:ext uri="{28A0092B-C50C-407E-A947-70E740481C1C}">
+                <a14:useLocalDpi xmlns:a14="http://schemas.microsoft.com/office/drawing/2010/main" val="0"/>
+              </a:ext>
+            </a:extLst>
+          </a:blip>
+          <a:stretch>
+            <a:fillRect/>
+          </a:stretch>
+        </p:blipFill>
+        <p:spPr>
+          <a:xfrm>
+            <a:off x="2960689" y="3759124"/>
+            <a:ext cx="3049600" cy="828266"/>
           </a:xfrm>
           <a:prstGeom prst="rect">
             <a:avLst/>
@@ -3629,13 +3669,13 @@
 <file path=ppt/tags/tag1.xml><?xml version="1.0" encoding="utf-8"?>
 <p:tagLst xmlns:a="http://schemas.openxmlformats.org/drawingml/2006/main" xmlns:r="http://schemas.openxmlformats.org/officeDocument/2006/relationships" xmlns:p="http://schemas.openxmlformats.org/presentationml/2006/main">
   <p:tag name="OUTPUTDPI" val="1200"/>
-  <p:tag name="ORIGINALHEIGHT" val="1947.506"/>
+  <p:tag name="ORIGINALHEIGHT" val="2246.719"/>
   <p:tag name="ORIGINALWIDTH" val="3289.839"/>
   <p:tag name="OUTPUTTYPE" val="PNG"/>
   <p:tag name="IGUANATEXVERSION" val="161"/>
-  <p:tag name="LATEXADDIN" val="\documentclass{article}&#10;\usepackage{amsmath, amssymb}&#10;\pagestyle{empty}&#10;\begin{document}&#10;\centering&#10;\textbf{Linear Algebra Review}&#10;&#10;$N(V)=\{x \in \mathbb{R} \mid Vx=0 \}$&#10;&#10;$Im(V)= \{z \in \mathbb{R}^n \mid \exists x \in \mathbb{R}^n s.t. Vx=z \}$&#10;&#10;$N(V) = (Im(V))^{\perp}$&#10;&#10;$Im(V) = N(V^T)$&#10;&#10;$S^\perp = \{x \in \mathbb{R}^n \vert x^Tz = 0\forall x \in S \}$ (S: subspace)&#10;&#10;$V\in \mathbb{R}^{n\times n} \implies dim(N(V))+dim(Im(V))=n$&#10;&#10;$V$ non-singular if $V^{-1}$ exists and $implies$&#10;&#10;$N(V)=\{0\}$, all rows/columns of V are linearly independent&#10;&#10;$det(V)\neq 0$, Eigenvalues non-zero, and $rank(V)=n$&#10;&#10;$\chi _V (\lambda ) = det(\lambda I - V)=0$&#10;&#10;$\begin{bmatrix}&#10;a &amp; b \\ c &amp; d&#10;\end{bmatrix}^{-1} = \frac{1}{ad-bc}\begin{bmatrix}&#10;d &amp; -b \\ -c &amp; a&#10;\end{bmatrix}$&#10;&#10;&#10;&#10;&#10;\end{document}"/>
+  <p:tag name="LATEXADDIN" val="\documentclass{article}&#10;\usepackage{amsmath, amssymb}&#10;\pagestyle{empty}&#10;\begin{document}&#10;\centering&#10;\textbf{Linear Algebra Review}&#10;&#10;$N(V)=\{x \in \mathbb{R} \mid Vx=0 \}$&#10;&#10;$Im(V)= \{z \in \mathbb{R}^n \mid \exists x \in \mathbb{R}^n s.t. Vx=z \}$&#10;&#10;$N(V) = (Im(V))^{\perp}$&#10;&#10;$Im(V) = N(V^T)$&#10;&#10;$S^\perp = \{x \in \mathbb{R}^n \vert x^Tz = 0\forall x \in S \}$ (S: subspace)&#10;&#10;$v \cdot u = 0 \implies v\perp u$&#10;&#10;$V\in \mathbb{R}^{n\times n} \implies dim(N(V))+dim(Im(V))=n$&#10;&#10;$V$ non-singular if $V^{-1}$ exists and $implies$&#10;&#10;$N(V)=\{0\}$, all rows/columns of V are linearly independent&#10;&#10;$det(V)\neq 0$, Eigenvalues non-zero, and $rank(V)=n$&#10;&#10;and $N(V)$ is the zero-element and zero dimensional&#10;&#10;$\chi _V (\lambda ) = det(\lambda I - V)=0$&#10;&#10;$\begin{bmatrix}&#10;a &amp; b \\ c &amp; d&#10;\end{bmatrix}^{-1} = \frac{1}{ad-bc}\begin{bmatrix}&#10;d &amp; -b \\ -c &amp; a&#10;\end{bmatrix}$&#10;&#10;&#10;&#10;&#10;\end{document}"/>
   <p:tag name="IGUANATEXSIZE" val="7"/>
-  <p:tag name="IGUANATEXCURSOR" val="371"/>
+  <p:tag name="IGUANATEXCURSOR" val="690"/>
   <p:tag name="TRANSPARENCY" val="True"/>
   <p:tag name="LATEXENGINEID" val="0"/>
   <p:tag name="TEMPFOLDER" val="c:\temp\"/>
@@ -3786,6 +3826,26 @@
 </p:tagLst>
 </file>
 
+<file path=ppt/tags/tag17.xml><?xml version="1.0" encoding="utf-8"?>
+<p:tagLst xmlns:a="http://schemas.openxmlformats.org/drawingml/2006/main" xmlns:r="http://schemas.openxmlformats.org/officeDocument/2006/relationships" xmlns:p="http://schemas.openxmlformats.org/presentationml/2006/main">
+  <p:tag name="OUTPUTDPI" val="1200"/>
+  <p:tag name="ORIGINALHEIGHT" val="1164.604"/>
+  <p:tag name="ORIGINALWIDTH" val="4287.964"/>
+  <p:tag name="OUTPUTTYPE" val="PNG"/>
+  <p:tag name="IGUANATEXVERSION" val="161"/>
+  <p:tag name="LATEXADDIN" val="\documentclass{article}&#10;\usepackage{amsmath}&#10;\pagestyle{empty}&#10;\begin{document}&#10;&#10;Linearization around an eq. point for nonlinear system $\dot{x} =f(x,u)$ will always result in LTI system (also uses Jacobian and Taylor expansion)&#10;&#10;Linearization around a traj. can possilby produce LTI&#10;&#10;Feedback linearization is not always possible (or recommended)&#10;&#10;You cannot always find a similarity transform to diagonalize the system.&#10;&#10;$m$ repeated, real eigenvalues will have $m\times m$ Jordan block&#10;&#10;Poles are a subset of the eigenvalues (GAS implies BIBO, not vice versa)&#10;&#10;A GAS LTI system will also be GES&#10;&#10;\end{document}"/>
+  <p:tag name="IGUANATEXSIZE" val="7"/>
+  <p:tag name="IGUANATEXCURSOR" val="597"/>
+  <p:tag name="TRANSPARENCY" val="True"/>
+  <p:tag name="LATEXENGINEID" val="0"/>
+  <p:tag name="TEMPFOLDER" val="c:\temp\"/>
+  <p:tag name="LATEXFORMHEIGHT" val="320"/>
+  <p:tag name="LATEXFORMWIDTH" val="385"/>
+  <p:tag name="LATEXFORMWRAP" val="True"/>
+  <p:tag name="BITMAPVECTOR" val="0"/>
+</p:tagLst>
+</file>
+
 <file path=ppt/tags/tag2.xml><?xml version="1.0" encoding="utf-8"?>
 <p:tagLst xmlns:a="http://schemas.openxmlformats.org/drawingml/2006/main" xmlns:r="http://schemas.openxmlformats.org/officeDocument/2006/relationships" xmlns:p="http://schemas.openxmlformats.org/presentationml/2006/main">
   <p:tag name="OUTPUTDPI" val="1200"/>
@@ -3913,9 +3973,9 @@
   <p:tag name="ORIGINALWIDTH" val="2876.64"/>
   <p:tag name="OUTPUTTYPE" val="PNG"/>
   <p:tag name="IGUANATEXVERSION" val="161"/>
-  <p:tag name="LATEXADDIN" val="\documentclass{article}&#10;\usepackage{amsmath}&#10;\pagestyle{empty}&#10;\begin{document}&#10;\centering&#10;\textbf{Solution to Linear System}&#10;&#10;$x(t) = \Phi(t,t_0)x_0 + \int_{t_0}^t\Phi(t,\tau)B(\tau)u(\tau)d\tau$&#10;&#10;$\Phi(t,\tau)$: state transition matrix&#10;&#10;(i)$\frac{d}{dt}\Phi(t,\tau)=A(t)\Phi(t,\tau)$&#10;&#10;(ii)$\frac{d}{d\tau}\Phi(t,\tau)=\Phi(t,\tau)A(t)$&#10;&#10;(iii)$\Phi(t,t) = I$&#10;&#10;(iv)$\Phi(t_1,t_0)^{-1}=\Phi(t_0,t_1)$&#10;&#10;(v)$\Phi(t_2,t_0) = \Phi(t_2,t_1)\Phi(t_1,t_0)$&#10;&#10;For LTI, $\Phi(t,t_0)=e^{A(t-t_0)}$&#10;&#10;\textit{Matrix Exponential}&#10;&#10;$e^{At} = \sum_{k=0}^\infty \frac{A^k t^k}{k!}$&#10;&#10;$e^{At} = \mathcal{L}^{-1}(sI-A)^{-1}$&#10;&#10;if A (block) diagonal, &#10;&#10;$A^k= \begin{bmatrix}&#10;A_{11}^k &amp; 0 \\ 0 &amp; A_{22}^k&#10;\end{bmatrix}$ and $e^{At}=\begin{bmatrix}&#10;e^{A_{11}t} &amp; 0 \\ 0 &amp; e^{A_{22}t}&#10;\end{bmatrix}$&#10;&#10;$\mu = \begin{bmatrix}&#10;\sigma &amp; \omega \\ -\omega &amp; \sigma&#10;\end{bmatrix} \implies e^{\mu t}=\begin{bmatrix}&#10;e^{\sigma t}\cos (\omega t) &amp; e^{\sigma t}\sin (\omega t) \\ -e^{\sigma t}\sin (\omega t) &amp; e^{\sigma t}\cos (\omega t)&#10;\end{bmatrix}$&#10;&#10;&#10;&#10;&#10;\end{document}"/>
+  <p:tag name="LATEXADDIN" val="\documentclass{article}&#10;\usepackage{amsmath}&#10;\pagestyle{empty}&#10;\begin{document}&#10;\centering&#10;\textbf{Solution to Linear System}&#10;&#10;$x(t) = \Phi(t,t_0)x_0 + \int_{t_0}^t\Phi(t,\tau)B(\tau)u(\tau)d\tau$&#10;&#10;$\Phi(t,\tau)$: state transition matrix&#10;&#10;(i)$\frac{d}{dt}\Phi(t,\tau)=A(t)\Phi(t,\tau)$&#10;&#10;(ii)$\frac{d}{d\tau}\Phi(t,\tau)=\Phi(t,\tau)A(\tau)$&#10;&#10;(iii)$\Phi(t,t) = I$&#10;&#10;(iv)$\Phi(t_1,t_0)^{-1}=\Phi(t_0,t_1)$&#10;&#10;(v)$\Phi(t_2,t_0) = \Phi(t_2,t_1)\Phi(t_1,t_0)$&#10;&#10;For LTI, $\Phi(t,t_0)=e^{A(t-t_0)}$&#10;&#10;\textit{Matrix Exponential}&#10;&#10;$e^{At} = \sum_{k=0}^\infty \frac{A^k t^k}{k!}$&#10;&#10;$e^{At} = \mathcal{L}^{-1}(sI-A)^{-1}$&#10;&#10;if A (block) diagonal, &#10;&#10;$A^k= \begin{bmatrix}&#10;A_{11}^k &amp; 0 \\ 0 &amp; A_{22}^k&#10;\end{bmatrix}$ and $e^{At}=\begin{bmatrix}&#10;e^{A_{11}t} &amp; 0 \\ 0 &amp; e^{A_{22}t}&#10;\end{bmatrix}$&#10;&#10;$\mu = \begin{bmatrix}&#10;\sigma &amp; \omega \\ -\omega &amp; \sigma&#10;\end{bmatrix} \implies e^{\mu t}=\begin{bmatrix}&#10;e^{\sigma t}\cos (\omega t) &amp; e^{\sigma t}\sin (\omega t) \\ -e^{\sigma t}\sin (\omega t) &amp; e^{\sigma t}\cos (\omega t)&#10;\end{bmatrix}$&#10;&#10;&#10;&#10;&#10;\end{document}"/>
   <p:tag name="IGUANATEXSIZE" val="7"/>
-  <p:tag name="IGUANATEXCURSOR" val="1002"/>
+  <p:tag name="IGUANATEXCURSOR" val="338"/>
   <p:tag name="TRANSPARENCY" val="True"/>
   <p:tag name="LATEXENGINEID" val="0"/>
   <p:tag name="TEMPFOLDER" val="c:\temp\"/>
@@ -3929,13 +3989,13 @@
 <file path=ppt/tags/tag9.xml><?xml version="1.0" encoding="utf-8"?>
 <p:tagLst xmlns:a="http://schemas.openxmlformats.org/drawingml/2006/main" xmlns:r="http://schemas.openxmlformats.org/officeDocument/2006/relationships" xmlns:p="http://schemas.openxmlformats.org/presentationml/2006/main">
   <p:tag name="OUTPUTDPI" val="1200"/>
-  <p:tag name="ORIGINALHEIGHT" val="766.4042"/>
+  <p:tag name="ORIGINALHEIGHT" val="1052.868"/>
   <p:tag name="ORIGINALWIDTH" val="2703.412"/>
   <p:tag name="OUTPUTTYPE" val="PNG"/>
   <p:tag name="IGUANATEXVERSION" val="161"/>
-  <p:tag name="LATEXADDIN" val="\documentclass{article}&#10;\usepackage{amsmath}&#10;\pagestyle{empty}&#10;\begin{document}&#10;&#10;\centering&#10;&#10;\textbf{Discretization}&#10;&#10;$x_{k+1} = \bar{A}x_k + \bar{B}u_k$&#10;&#10;Exact: $\bar{A}=e^{AT}$, $\bar{B} = \int_0^T e^{A(T-\tau)}d\tau B$, $\bar{C} = C$&#10;&#10;Solving $\bar{B}$, subsitute new $s=T-\tau$ where $T=\frac{1}{f_s}$&#10;&#10;Euler: $\bar{A}=I+TA$, $\bar{B} = TB$&#10;&#10;&#10;&#10;\end{document}"/>
+  <p:tag name="LATEXADDIN" val="\documentclass{article}&#10;\usepackage{amsmath}&#10;\pagestyle{empty}&#10;\begin{document}&#10;&#10;\centering&#10;&#10;\textbf{Discretization}&#10;&#10;$x_{k+1} = \bar{A}x_k + \bar{B}u_k$&#10;&#10;Exact: $\bar{A}=e^{AT}$, $\bar{B} = \int_0^T e^{A(T-\tau)}d\tau B$, $\bar{C} = C$&#10;&#10;(Exact assumes constant control over &#10;&#10;discretization time interval)&#10;&#10;Solving $\bar{B}$, subsitute new $s=T-\tau$ where $T=\frac{1}{f_s}$&#10;&#10;Euler: $\bar{A}=I+TA$, $\bar{B} = TB$&#10;&#10;&#10;&#10;\end{document}"/>
   <p:tag name="IGUANATEXSIZE" val="7"/>
-  <p:tag name="IGUANATEXCURSOR" val="266"/>
+  <p:tag name="IGUANATEXCURSOR" val="277"/>
   <p:tag name="TRANSPARENCY" val="True"/>
   <p:tag name="LATEXENGINEID" val="0"/>
   <p:tag name="TEMPFOLDER" val="c:\temp\"/>

--- a/Exams/midtermEqnSheet.pptx
+++ b/Exams/midtermEqnSheet.pptx
@@ -2975,10 +2975,10 @@
       </p:grpSpPr>
       <p:pic>
         <p:nvPicPr>
-          <p:cNvPr id="10" name="Picture 9" descr="\documentclass{article}&#10;\usepackage{amsmath, amssymb}&#10;\pagestyle{empty}&#10;\begin{document}&#10;\centering&#10;\textbf{Linear Algebra Review}&#10;&#10;$N(V)=\{x \in \mathbb{R} \mid Vx=0 \}$&#10;&#10;$Im(V)= \{z \in \mathbb{R}^n \mid \exists x \in \mathbb{R}^n s.t. Vx=z \}$&#10;&#10;$N(V) = (Im(V))^{\perp}$&#10;&#10;$Im(V) = N(V^T)$&#10;&#10;$S^\perp = \{x \in \mathbb{R}^n \vert x^Tz = 0\forall x \in S \}$ (S: subspace)&#10;&#10;$v \cdot u = 0 \implies v\perp u$&#10;&#10;$V\in \mathbb{R}^{n\times n} \implies dim(N(V))+dim(Im(V))=n$&#10;&#10;$V$ non-singular if $V^{-1}$ exists and $implies$&#10;&#10;$N(V)=\{0\}$, all rows/columns of V are linearly independent&#10;&#10;$det(V)\neq 0$, Eigenvalues non-zero, and $rank(V)=n$&#10;&#10;and $N(V)$ is the zero-element and zero dimensional&#10;&#10;$\chi _V (\lambda ) = det(\lambda I - V)=0$&#10;&#10;$\begin{bmatrix}&#10;a &amp; b \\ c &amp; d&#10;\end{bmatrix}^{-1} = \frac{1}{ad-bc}\begin{bmatrix}&#10;d &amp; -b \\ -c &amp; a&#10;\end{bmatrix}$&#10;&#10;&#10;&#10;&#10;\end{document}" title="IguanaTex Picture Display">
+          <p:cNvPr id="43" name="Picture 42">
             <a:extLst>
               <a:ext uri="{FF2B5EF4-FFF2-40B4-BE49-F238E27FC236}">
-                <a16:creationId xmlns:a16="http://schemas.microsoft.com/office/drawing/2014/main" id="{7092AE57-7B19-FA13-3C4B-904D57ED2600}"/>
+                <a16:creationId xmlns:a16="http://schemas.microsoft.com/office/drawing/2014/main" id="{535DF839-FB57-F5D5-5DB2-80F8D4B51642}"/>
               </a:ext>
             </a:extLst>
           </p:cNvPr>
@@ -3005,8 +3005,8 @@
         </p:blipFill>
         <p:spPr>
           <a:xfrm>
-            <a:off x="16892" y="31000"/>
-            <a:ext cx="2339733" cy="1597867"/>
+            <a:off x="16894" y="31000"/>
+            <a:ext cx="2340799" cy="1597867"/>
           </a:xfrm>
           <a:prstGeom prst="rect">
             <a:avLst/>
@@ -3015,10 +3015,10 @@
       </p:pic>
       <p:pic>
         <p:nvPicPr>
-          <p:cNvPr id="335" name="Picture 334">
+          <p:cNvPr id="37" name="Picture 36">
             <a:extLst>
               <a:ext uri="{FF2B5EF4-FFF2-40B4-BE49-F238E27FC236}">
-                <a16:creationId xmlns:a16="http://schemas.microsoft.com/office/drawing/2014/main" id="{999BCAF0-13A2-F6C1-BB40-E07AB40D909F}"/>
+                <a16:creationId xmlns:a16="http://schemas.microsoft.com/office/drawing/2014/main" id="{5CC9B5C1-6ADC-6980-5172-9A655A46BD50}"/>
               </a:ext>
             </a:extLst>
           </p:cNvPr>
@@ -3045,8 +3045,8 @@
         </p:blipFill>
         <p:spPr>
           <a:xfrm>
-            <a:off x="359627" y="5749885"/>
-            <a:ext cx="2034133" cy="822400"/>
+            <a:off x="44012" y="5595133"/>
+            <a:ext cx="2036800" cy="822400"/>
           </a:xfrm>
           <a:prstGeom prst="rect">
             <a:avLst/>
@@ -3055,10 +3055,10 @@
       </p:pic>
       <p:pic>
         <p:nvPicPr>
-          <p:cNvPr id="201" name="Picture 200">
+          <p:cNvPr id="53" name="Picture 52">
             <a:extLst>
               <a:ext uri="{FF2B5EF4-FFF2-40B4-BE49-F238E27FC236}">
-                <a16:creationId xmlns:a16="http://schemas.microsoft.com/office/drawing/2014/main" id="{262495A1-D3A2-590B-C046-C9F9C8D2EAB5}"/>
+                <a16:creationId xmlns:a16="http://schemas.microsoft.com/office/drawing/2014/main" id="{17E14ED9-CAAF-58B8-7AEC-66FD496B54C7}"/>
               </a:ext>
             </a:extLst>
           </p:cNvPr>
@@ -3085,8 +3085,8 @@
         </p:blipFill>
         <p:spPr>
           <a:xfrm>
-            <a:off x="2623365" y="10249"/>
-            <a:ext cx="1750628" cy="626744"/>
+            <a:off x="2228427" y="24937"/>
+            <a:ext cx="2532801" cy="1465067"/>
           </a:xfrm>
           <a:prstGeom prst="rect">
             <a:avLst/>
@@ -3125,7 +3125,7 @@
         </p:blipFill>
         <p:spPr>
           <a:xfrm>
-            <a:off x="2393760" y="696915"/>
+            <a:off x="2334298" y="1513450"/>
             <a:ext cx="2216000" cy="301333"/>
           </a:xfrm>
           <a:prstGeom prst="rect">
@@ -3165,7 +3165,7 @@
         </p:blipFill>
         <p:spPr>
           <a:xfrm>
-            <a:off x="2393760" y="1000006"/>
+            <a:off x="2342943" y="1866488"/>
             <a:ext cx="2219733" cy="396267"/>
           </a:xfrm>
           <a:prstGeom prst="rect">
@@ -3205,7 +3205,7 @@
         </p:blipFill>
         <p:spPr>
           <a:xfrm>
-            <a:off x="2518444" y="1402234"/>
+            <a:off x="2522833" y="2297005"/>
             <a:ext cx="1988801" cy="402133"/>
           </a:xfrm>
           <a:prstGeom prst="rect">
@@ -3215,10 +3215,10 @@
       </p:pic>
       <p:pic>
         <p:nvPicPr>
-          <p:cNvPr id="401" name="Picture 400">
+          <p:cNvPr id="28" name="Picture 27">
             <a:extLst>
               <a:ext uri="{FF2B5EF4-FFF2-40B4-BE49-F238E27FC236}">
-                <a16:creationId xmlns:a16="http://schemas.microsoft.com/office/drawing/2014/main" id="{3D891342-D8D3-81EA-1E1D-3B377823963E}"/>
+                <a16:creationId xmlns:a16="http://schemas.microsoft.com/office/drawing/2014/main" id="{9A2DA032-8B04-A80E-8477-59A0924D2ADC}"/>
               </a:ext>
             </a:extLst>
           </p:cNvPr>
@@ -3245,8 +3245,8 @@
         </p:blipFill>
         <p:spPr>
           <a:xfrm>
-            <a:off x="6175617" y="1716301"/>
-            <a:ext cx="2882438" cy="2819047"/>
+            <a:off x="6223724" y="1667568"/>
+            <a:ext cx="2888533" cy="2819046"/>
           </a:xfrm>
           <a:prstGeom prst="rect">
             <a:avLst/>
@@ -3255,10 +3255,10 @@
       </p:pic>
       <p:pic>
         <p:nvPicPr>
-          <p:cNvPr id="22" name="Picture 21" descr="\documentclass{article}&#10;\usepackage{amsmath}&#10;\pagestyle{empty}&#10;\begin{document}&#10;\centering&#10;\textbf{Solution to Linear System}&#10;&#10;$x(t) = \Phi(t,t_0)x_0 + \int_{t_0}^t\Phi(t,\tau)B(\tau)u(\tau)d\tau$&#10;&#10;$\Phi(t,\tau)$: state transition matrix&#10;&#10;(i)$\frac{d}{dt}\Phi(t,\tau)=A(t)\Phi(t,\tau)$&#10;&#10;(ii)$\frac{d}{d\tau}\Phi(t,\tau)=\Phi(t,\tau)A(\tau)$&#10;&#10;(iii)$\Phi(t,t) = I$&#10;&#10;(iv)$\Phi(t_1,t_0)^{-1}=\Phi(t_0,t_1)$&#10;&#10;(v)$\Phi(t_2,t_0) = \Phi(t_2,t_1)\Phi(t_1,t_0)$&#10;&#10;For LTI, $\Phi(t,t_0)=e^{A(t-t_0)}$&#10;&#10;\textit{Matrix Exponential}&#10;&#10;$e^{At} = \sum_{k=0}^\infty \frac{A^k t^k}{k!}$&#10;&#10;$e^{At} = \mathcal{L}^{-1}(sI-A)^{-1}$&#10;&#10;if A (block) diagonal, &#10;&#10;$A^k= \begin{bmatrix}&#10;A_{11}^k &amp; 0 \\ 0 &amp; A_{22}^k&#10;\end{bmatrix}$ and $e^{At}=\begin{bmatrix}&#10;e^{A_{11}t} &amp; 0 \\ 0 &amp; e^{A_{22}t}&#10;\end{bmatrix}$&#10;&#10;$\mu = \begin{bmatrix}&#10;\sigma &amp; \omega \\ -\omega &amp; \sigma&#10;\end{bmatrix} \implies e^{\mu t}=\begin{bmatrix}&#10;e^{\sigma t}\cos (\omega t) &amp; e^{\sigma t}\sin (\omega t) \\ -e^{\sigma t}\sin (\omega t) &amp; e^{\sigma t}\cos (\omega t)&#10;\end{bmatrix}$&#10;&#10;&#10;&#10;&#10;\end{document}" title="IguanaTex Picture Display">
+          <p:cNvPr id="32" name="Picture 31">
             <a:extLst>
               <a:ext uri="{FF2B5EF4-FFF2-40B4-BE49-F238E27FC236}">
-                <a16:creationId xmlns:a16="http://schemas.microsoft.com/office/drawing/2014/main" id="{AD59F811-0C5D-A873-690B-2F374B9BB71B}"/>
+                <a16:creationId xmlns:a16="http://schemas.microsoft.com/office/drawing/2014/main" id="{F7CE44D5-85A4-5946-2DDD-A4778A02066D}"/>
               </a:ext>
             </a:extLst>
           </p:cNvPr>
@@ -3285,8 +3285,8 @@
         </p:blipFill>
         <p:spPr>
           <a:xfrm>
-            <a:off x="182559" y="1668684"/>
-            <a:ext cx="2045868" cy="1835206"/>
+            <a:off x="31743" y="1660794"/>
+            <a:ext cx="2046402" cy="1835206"/>
           </a:xfrm>
           <a:prstGeom prst="rect">
             <a:avLst/>
@@ -3295,10 +3295,10 @@
       </p:pic>
       <p:pic>
         <p:nvPicPr>
-          <p:cNvPr id="26" name="Picture 25" descr="\documentclass{article}&#10;\usepackage{amsmath}&#10;\pagestyle{empty}&#10;\begin{document}&#10;&#10;\centering&#10;&#10;\textbf{Discretization}&#10;&#10;$x_{k+1} = \bar{A}x_k + \bar{B}u_k$&#10;&#10;Exact: $\bar{A}=e^{AT}$, $\bar{B} = \int_0^T e^{A(T-\tau)}d\tau B$, $\bar{C} = C$&#10;&#10;(Exact assumes constant control over &#10;&#10;discretization time interval)&#10;&#10;Solving $\bar{B}$, subsitute new $s=T-\tau$ where $T=\frac{1}{f_s}$&#10;&#10;Euler: $\bar{A}=I+TA$, $\bar{B} = TB$&#10;&#10;&#10;&#10;\end{document}" title="IguanaTex Picture Display">
+          <p:cNvPr id="23" name="Picture 22">
             <a:extLst>
               <a:ext uri="{FF2B5EF4-FFF2-40B4-BE49-F238E27FC236}">
-                <a16:creationId xmlns:a16="http://schemas.microsoft.com/office/drawing/2014/main" id="{0AC77B87-C77C-3319-4F35-431029F53661}"/>
+                <a16:creationId xmlns:a16="http://schemas.microsoft.com/office/drawing/2014/main" id="{EA94D315-AE61-1955-14FF-300E7D55C749}"/>
               </a:ext>
             </a:extLst>
           </p:cNvPr>
@@ -3325,8 +3325,8 @@
         </p:blipFill>
         <p:spPr>
           <a:xfrm>
-            <a:off x="7004584" y="31000"/>
-            <a:ext cx="1922668" cy="748802"/>
+            <a:off x="7126854" y="29995"/>
+            <a:ext cx="1931201" cy="748802"/>
           </a:xfrm>
           <a:prstGeom prst="rect">
             <a:avLst/>
@@ -3335,10 +3335,10 @@
       </p:pic>
       <p:pic>
         <p:nvPicPr>
-          <p:cNvPr id="329" name="Picture 328">
+          <p:cNvPr id="25" name="Picture 24">
             <a:extLst>
               <a:ext uri="{FF2B5EF4-FFF2-40B4-BE49-F238E27FC236}">
-                <a16:creationId xmlns:a16="http://schemas.microsoft.com/office/drawing/2014/main" id="{DE9E2F15-A6D5-84B3-F25B-E8EF4B19410F}"/>
+                <a16:creationId xmlns:a16="http://schemas.microsoft.com/office/drawing/2014/main" id="{B57A9E6A-957D-42AD-9156-81E7672AEB3A}"/>
               </a:ext>
             </a:extLst>
           </p:cNvPr>
@@ -3365,8 +3365,8 @@
         </p:blipFill>
         <p:spPr>
           <a:xfrm>
-            <a:off x="6716436" y="862101"/>
-            <a:ext cx="2362133" cy="741868"/>
+            <a:off x="6742904" y="839877"/>
+            <a:ext cx="2371733" cy="741868"/>
           </a:xfrm>
           <a:prstGeom prst="rect">
             <a:avLst/>
@@ -3375,10 +3375,10 @@
       </p:pic>
       <p:pic>
         <p:nvPicPr>
-          <p:cNvPr id="355" name="Picture 354">
+          <p:cNvPr id="35" name="Picture 34">
             <a:extLst>
               <a:ext uri="{FF2B5EF4-FFF2-40B4-BE49-F238E27FC236}">
-                <a16:creationId xmlns:a16="http://schemas.microsoft.com/office/drawing/2014/main" id="{29F4ED83-86C9-801B-D8E0-CBB9F9E08C13}"/>
+                <a16:creationId xmlns:a16="http://schemas.microsoft.com/office/drawing/2014/main" id="{1124079F-5720-7596-38D9-502905603B17}"/>
               </a:ext>
             </a:extLst>
           </p:cNvPr>
@@ -3405,8 +3405,8 @@
         </p:blipFill>
         <p:spPr>
           <a:xfrm>
-            <a:off x="85945" y="3542591"/>
-            <a:ext cx="2657600" cy="407467"/>
+            <a:off x="16893" y="3527927"/>
+            <a:ext cx="2659733" cy="407467"/>
           </a:xfrm>
           <a:prstGeom prst="rect">
             <a:avLst/>
@@ -3445,7 +3445,7 @@
         </p:blipFill>
         <p:spPr>
           <a:xfrm>
-            <a:off x="85945" y="4043241"/>
+            <a:off x="29945" y="3983136"/>
             <a:ext cx="2713600" cy="739200"/>
           </a:xfrm>
           <a:prstGeom prst="rect">
@@ -3485,7 +3485,7 @@
         </p:blipFill>
         <p:spPr>
           <a:xfrm>
-            <a:off x="87762" y="4859844"/>
+            <a:off x="29945" y="4771008"/>
             <a:ext cx="2589867" cy="752533"/>
           </a:xfrm>
           <a:prstGeom prst="rect">
@@ -3525,7 +3525,7 @@
         </p:blipFill>
         <p:spPr>
           <a:xfrm>
-            <a:off x="2895621" y="1970376"/>
+            <a:off x="4664814" y="1316287"/>
             <a:ext cx="1589868" cy="1619201"/>
           </a:xfrm>
           <a:prstGeom prst="rect">
@@ -3575,10 +3575,10 @@
       </p:pic>
       <p:pic>
         <p:nvPicPr>
-          <p:cNvPr id="3" name="Picture 2">
+          <p:cNvPr id="30" name="Picture 29">
             <a:extLst>
               <a:ext uri="{FF2B5EF4-FFF2-40B4-BE49-F238E27FC236}">
-                <a16:creationId xmlns:a16="http://schemas.microsoft.com/office/drawing/2014/main" id="{A5D6BA59-0267-1637-4ABE-4314275917D3}"/>
+                <a16:creationId xmlns:a16="http://schemas.microsoft.com/office/drawing/2014/main" id="{4E2EC3A3-A8A6-E584-FACF-AECE9707548D}"/>
               </a:ext>
             </a:extLst>
           </p:cNvPr>
@@ -3605,8 +3605,8 @@
         </p:blipFill>
         <p:spPr>
           <a:xfrm>
-            <a:off x="6065950" y="4760013"/>
-            <a:ext cx="3017066" cy="1591471"/>
+            <a:off x="6070658" y="4660167"/>
+            <a:ext cx="3041599" cy="1591471"/>
           </a:xfrm>
           <a:prstGeom prst="rect">
             <a:avLst/>
@@ -3615,10 +3615,10 @@
       </p:pic>
       <p:pic>
         <p:nvPicPr>
-          <p:cNvPr id="34" name="Picture 33" descr="\documentclass{article}&#10;\usepackage{amsmath}&#10;\pagestyle{empty}&#10;\begin{document}&#10;&#10;Linearization around an eq. point for nonlinear system $\dot{x} =f(x,u)$ will always result in LTI system (also uses Jacobian and Taylor expansion)&#10;&#10;Linearization around a traj. can possilby produce LTI&#10;&#10;Feedback linearization is not always possible (or recommended)&#10;&#10;You cannot always find a similarity transform to diagonalize the system.&#10;&#10;$m$ repeated, real eigenvalues will have $m\times m$ Jordan block&#10;&#10;Poles are a subset of the eigenvalues (GAS implies BIBO, not vice versa)&#10;&#10;A GAS LTI system will also be GES&#10;&#10;\end{document}" title="IguanaTex Picture Display">
+          <p:cNvPr id="57" name="Picture 56">
             <a:extLst>
               <a:ext uri="{FF2B5EF4-FFF2-40B4-BE49-F238E27FC236}">
-                <a16:creationId xmlns:a16="http://schemas.microsoft.com/office/drawing/2014/main" id="{B3CF6318-096C-1BC0-82A7-419C0C0C19FC}"/>
+                <a16:creationId xmlns:a16="http://schemas.microsoft.com/office/drawing/2014/main" id="{5903FE3A-78B3-F484-2727-5E6122F44877}"/>
               </a:ext>
             </a:extLst>
           </p:cNvPr>
@@ -3645,8 +3645,105 @@
         </p:blipFill>
         <p:spPr>
           <a:xfrm>
-            <a:off x="2960689" y="3759124"/>
-            <a:ext cx="3049600" cy="828266"/>
+            <a:off x="2851994" y="2993851"/>
+            <a:ext cx="3049600" cy="1172268"/>
+          </a:xfrm>
+          <a:prstGeom prst="rect">
+            <a:avLst/>
+          </a:prstGeom>
+        </p:spPr>
+      </p:pic>
+      <p:pic>
+        <p:nvPicPr>
+          <p:cNvPr id="1026" name="Picture 2" descr="Evaluating the Determinant of a Matrix ...">
+            <a:extLst>
+              <a:ext uri="{FF2B5EF4-FFF2-40B4-BE49-F238E27FC236}">
+                <a16:creationId xmlns:a16="http://schemas.microsoft.com/office/drawing/2014/main" id="{89AB61DB-CF13-4B46-E976-2B2775B6483B}"/>
+              </a:ext>
+            </a:extLst>
+          </p:cNvPr>
+          <p:cNvPicPr>
+            <a:picLocks noChangeAspect="1" noChangeArrowheads="1"/>
+          </p:cNvPicPr>
+          <p:nvPr/>
+        </p:nvPicPr>
+        <p:blipFill>
+          <a:blip r:embed="rId36">
+            <a:extLst>
+              <a:ext uri="{BEBA8EAE-BF5A-486C-A8C5-ECC9F3942E4B}">
+                <a14:imgProps xmlns:a14="http://schemas.microsoft.com/office/drawing/2010/main">
+                  <a14:imgLayer r:embed="rId37">
+                    <a14:imgEffect>
+                      <a14:saturation sat="0"/>
+                    </a14:imgEffect>
+                  </a14:imgLayer>
+                </a14:imgProps>
+              </a:ext>
+              <a:ext uri="{28A0092B-C50C-407E-A947-70E740481C1C}">
+                <a14:useLocalDpi xmlns:a14="http://schemas.microsoft.com/office/drawing/2010/main" val="0"/>
+              </a:ext>
+            </a:extLst>
+          </a:blip>
+          <a:srcRect/>
+          <a:stretch>
+            <a:fillRect/>
+          </a:stretch>
+        </p:blipFill>
+        <p:spPr bwMode="auto">
+          <a:xfrm>
+            <a:off x="3377639" y="5227420"/>
+            <a:ext cx="1681058" cy="941392"/>
+          </a:xfrm>
+          <a:prstGeom prst="rect">
+            <a:avLst/>
+          </a:prstGeom>
+          <a:noFill/>
+          <a:extLst>
+            <a:ext uri="{909E8E84-426E-40DD-AFC4-6F175D3DCCD1}">
+              <a14:hiddenFill xmlns:a14="http://schemas.microsoft.com/office/drawing/2010/main">
+                <a:solidFill>
+                  <a:srgbClr val="FFFFFF"/>
+                </a:solidFill>
+              </a14:hiddenFill>
+            </a:ext>
+          </a:extLst>
+        </p:spPr>
+      </p:pic>
+      <p:pic>
+        <p:nvPicPr>
+          <p:cNvPr id="59" name="Picture 58">
+            <a:extLst>
+              <a:ext uri="{FF2B5EF4-FFF2-40B4-BE49-F238E27FC236}">
+                <a16:creationId xmlns:a16="http://schemas.microsoft.com/office/drawing/2014/main" id="{A243C945-A5DA-1EEA-4075-798DF69566E8}"/>
+              </a:ext>
+            </a:extLst>
+          </p:cNvPr>
+          <p:cNvPicPr>
+            <a:picLocks noChangeAspect="1"/>
+          </p:cNvPicPr>
+          <p:nvPr/>
+        </p:nvPicPr>
+        <p:blipFill>
+          <a:blip r:embed="rId38">
+            <a:extLst>
+              <a:ext uri="{BEBA8EAE-BF5A-486C-A8C5-ECC9F3942E4B}">
+                <a14:imgProps xmlns:a14="http://schemas.microsoft.com/office/drawing/2010/main">
+                  <a14:imgLayer r:embed="rId39">
+                    <a14:imgEffect>
+                      <a14:saturation sat="0"/>
+                    </a14:imgEffect>
+                  </a14:imgLayer>
+                </a14:imgProps>
+              </a:ext>
+            </a:extLst>
+          </a:blip>
+          <a:srcRect l="1867" t="10609" r="5095"/>
+          <a:stretch/>
+        </p:blipFill>
+        <p:spPr>
+          <a:xfrm>
+            <a:off x="2851994" y="4246265"/>
+            <a:ext cx="2660237" cy="901009"/>
           </a:xfrm>
           <a:prstGeom prst="rect">
             <a:avLst/>
@@ -3670,12 +3767,12 @@
 <p:tagLst xmlns:a="http://schemas.openxmlformats.org/drawingml/2006/main" xmlns:r="http://schemas.openxmlformats.org/officeDocument/2006/relationships" xmlns:p="http://schemas.openxmlformats.org/presentationml/2006/main">
   <p:tag name="OUTPUTDPI" val="1200"/>
   <p:tag name="ORIGINALHEIGHT" val="2246.719"/>
-  <p:tag name="ORIGINALWIDTH" val="3289.839"/>
+  <p:tag name="ORIGINALWIDTH" val="3291.339"/>
   <p:tag name="OUTPUTTYPE" val="PNG"/>
   <p:tag name="IGUANATEXVERSION" val="161"/>
-  <p:tag name="LATEXADDIN" val="\documentclass{article}&#10;\usepackage{amsmath, amssymb}&#10;\pagestyle{empty}&#10;\begin{document}&#10;\centering&#10;\textbf{Linear Algebra Review}&#10;&#10;$N(V)=\{x \in \mathbb{R} \mid Vx=0 \}$&#10;&#10;$Im(V)= \{z \in \mathbb{R}^n \mid \exists x \in \mathbb{R}^n s.t. Vx=z \}$&#10;&#10;$N(V) = (Im(V))^{\perp}$&#10;&#10;$Im(V) = N(V^T)$&#10;&#10;$S^\perp = \{x \in \mathbb{R}^n \vert x^Tz = 0\forall x \in S \}$ (S: subspace)&#10;&#10;$v \cdot u = 0 \implies v\perp u$&#10;&#10;$V\in \mathbb{R}^{n\times n} \implies dim(N(V))+dim(Im(V))=n$&#10;&#10;$V$ non-singular if $V^{-1}$ exists and $implies$&#10;&#10;$N(V)=\{0\}$, all rows/columns of V are linearly independent&#10;&#10;$det(V)\neq 0$, Eigenvalues non-zero, and $rank(V)=n$&#10;&#10;and $N(V)$ is the zero-element and zero dimensional&#10;&#10;$\chi _V (\lambda ) = det(\lambda I - V)=0$&#10;&#10;$\begin{bmatrix}&#10;a &amp; b \\ c &amp; d&#10;\end{bmatrix}^{-1} = \frac{1}{ad-bc}\begin{bmatrix}&#10;d &amp; -b \\ -c &amp; a&#10;\end{bmatrix}$&#10;&#10;&#10;&#10;&#10;\end{document}"/>
+  <p:tag name="LATEXADDIN" val="\documentclass{article}&#10;\usepackage{amsmath, amssymb}&#10;\pagestyle{empty}&#10;\begin{document}&#10;&#10;\textbf{Linear Algebra Review}&#10;&#10;$N(V)=\{x \in \mathbb{R} \mid Vx=0 \}$&#10;&#10;$Im(V)= \{z \in \mathbb{R}^n \mid \exists x \in \mathbb{R}^n s.t. Vx=z \}$&#10;&#10;$N(V) = (Im(V))^{\perp}$&#10;&#10;$Im(V) = N(V^T)$&#10;&#10;$S^\perp = \{x \in \mathbb{R}^n \vert x^Tz = 0\forall x \in S \}$ (S: subspace)&#10;&#10;$v \cdot u = 0 \implies v\perp u$&#10;&#10;$V\in \mathbb{R}^{n\times n} \implies dim(N(V))+dim(Im(V))=n$&#10;&#10;$V$ non-singular if $V^{-1}$ exists and $implies$&#10;&#10;$N(V)=\{0\}$, all rows/columns of V are linearly independent&#10;&#10;$det(V)\neq 0$, Eigenvalues non-zero, and $rank(V)=n$&#10;&#10;and $N(V)$ is the zero-element and zero dimensional&#10;&#10;$\chi _V (\lambda ) = det(\lambda I - V)=0$ (finding eigenvalues)&#10;&#10;$\begin{bmatrix}&#10;a &amp; b \\ c &amp; d&#10;\end{bmatrix}^{-1} = \frac{1}{ad-bc}\begin{bmatrix}&#10;d &amp; -b \\ -c &amp; a&#10;\end{bmatrix}$&#10;&#10;&#10;&#10;&#10;\end{document}"/>
   <p:tag name="IGUANATEXSIZE" val="7"/>
-  <p:tag name="IGUANATEXCURSOR" val="690"/>
+  <p:tag name="IGUANATEXCURSOR" val="747"/>
   <p:tag name="TRANSPARENCY" val="True"/>
   <p:tag name="LATEXENGINEID" val="0"/>
   <p:tag name="TEMPFOLDER" val="c:\temp\"/>
@@ -3690,12 +3787,12 @@
 <p:tagLst xmlns:a="http://schemas.openxmlformats.org/drawingml/2006/main" xmlns:r="http://schemas.openxmlformats.org/officeDocument/2006/relationships" xmlns:p="http://schemas.openxmlformats.org/presentationml/2006/main">
   <p:tag name="OUTPUTDPI" val="1200"/>
   <p:tag name="ORIGINALHEIGHT" val="1043.12"/>
-  <p:tag name="ORIGINALWIDTH" val="3321.335"/>
+  <p:tag name="ORIGINALWIDTH" val="3334.833"/>
   <p:tag name="OUTPUTTYPE" val="PNG"/>
   <p:tag name="IGUANATEXVERSION" val="161"/>
-  <p:tag name="LATEXADDIN" val="\documentclass{article}&#10;\usepackage{amsmath}&#10;\pagestyle{empty}&#10;\begin{document}&#10;\centering&#10;&#10;\textbf{Similarity/Cayley-Hamilton}&#10;&#10;If $V=[v1, v2, \dots, vn]$ is formed from eigenvectors,&#10;&#10;$\hat{A} = V^{-1}AV$ is diagonal matrix with $\lambda_i$s and $e^{At} =  Ve^{\hat{A}t}V^{-1}$&#10;&#10;$A$ satifies its own characteristic equation&#10;&#10;$e^A$ and $A^i$ are linear combinations of $A^i$ for $i\in [0 \dots n-1]$&#10;&#10;Repeated real eigs, larger than 1x1. &#10;&#10;Repeated complex, larger than 2x2 (Jordan Blocks).&#10;&#10;&#10;\end{document}"/>
+  <p:tag name="LATEXADDIN" val="\documentclass{article}&#10;\usepackage{amsmath}&#10;\pagestyle{empty}&#10;\begin{document}&#10;\flushright&#10;&#10;\textbf{Similarity/Cayley-Hamilton}&#10;&#10;If $V=[v1, v2, \dots, vn]$ is formed from eigenvectors,&#10;&#10;$\hat{A} = V^{-1}AV$ is diagonal matrix with $\lambda_i$s and $e^{At} =  Ve^{\hat{A}t}V^{-1}$&#10;&#10;$A$ satifies its own characteristic equation&#10;&#10;$e^A$ and $A^i$ are linear combinations of $A^i$ for $i\in [0 \dots n-1]$&#10;&#10;Repeated real eigs, larger than 1x1. &#10;&#10;Repeated complex, larger than 2x2 (Jordan Blocks).&#10;&#10;&#10;\end{document}"/>
   <p:tag name="IGUANATEXSIZE" val="7"/>
-  <p:tag name="IGUANATEXCURSOR" val="441"/>
+  <p:tag name="IGUANATEXCURSOR" val="91"/>
   <p:tag name="TRANSPARENCY" val="True"/>
   <p:tag name="LATEXENGINEID" val="0"/>
   <p:tag name="TEMPFOLDER" val="c:\temp\"/>
@@ -3710,12 +3807,12 @@
 <p:tagLst xmlns:a="http://schemas.openxmlformats.org/drawingml/2006/main" xmlns:r="http://schemas.openxmlformats.org/officeDocument/2006/relationships" xmlns:p="http://schemas.openxmlformats.org/presentationml/2006/main">
   <p:tag name="OUTPUTDPI" val="1200"/>
   <p:tag name="ORIGINALHEIGHT" val="572.9283"/>
-  <p:tag name="ORIGINALWIDTH" val="3736.783"/>
+  <p:tag name="ORIGINALWIDTH" val="3739.783"/>
   <p:tag name="OUTPUTTYPE" val="PNG"/>
   <p:tag name="IGUANATEXVERSION" val="161"/>
-  <p:tag name="LATEXADDIN" val="\documentclass{article}&#10;\usepackage{amsmath}&#10;\pagestyle{empty}&#10;\begin{document}&#10;&#10;\centering&#10;&#10;\textbf{Stability (Lyapunov)}&#10;&#10;Stable: $\forall \epsilon &gt; 0 \exists \delta &gt;0 s.t. \| x(t_0)-x_e\| \leq \delta \implies \| x(t)-x_e\| \leq \epsilon \forall t \geq t_o$&#10;&#10;A.S.: $\exists \eta \in R s.t. \| x(t_0)-x_e \| &lt; \eta \implies x(t) \rightarrow x_e$ as $t\rightarrow \infty$&#10;&#10;G.A.S: $x(t) \rightarrow x_e$ as $t \rightarrow \infty$ if $\forall x_0$ where $x(t_0)=x_0$&#10;&#10;&#10;&#10;\end{document}"/>
+  <p:tag name="LATEXADDIN" val="\documentclass{article}&#10;\usepackage{amsmath}&#10;\pagestyle{empty}&#10;\begin{document}&#10;&#10;&#10;&#10;\textbf{Stability (Lyapunov)}&#10;&#10;Stable: $\forall \epsilon &gt; 0 \exists \delta &gt;0 s.t. \| x(t_0)-x_e\| \leq \delta \implies \| x(t)-x_e\| \leq \epsilon \forall t \geq t_o$&#10;&#10;A.S.: $\exists \eta \in R s.t. \| x(t_0)-x_e \| &lt; \eta \implies x(t) \rightarrow x_e$ as $t\rightarrow \infty$&#10;&#10;G.A.S: $x(t) \rightarrow x_e$ as $t \rightarrow \infty$ if $\forall x_0$ where $x(t_0)=x_0$&#10;&#10;&#10;&#10;\end{document}"/>
   <p:tag name="IGUANATEXSIZE" val="7"/>
-  <p:tag name="IGUANATEXCURSOR" val="123"/>
+  <p:tag name="IGUANATEXCURSOR" val="81"/>
   <p:tag name="TRANSPARENCY" val="True"/>
   <p:tag name="LATEXENGINEID" val="0"/>
   <p:tag name="TEMPFOLDER" val="c:\temp\"/>
@@ -3810,12 +3907,12 @@
 <p:tagLst xmlns:a="http://schemas.openxmlformats.org/drawingml/2006/main" xmlns:r="http://schemas.openxmlformats.org/officeDocument/2006/relationships" xmlns:p="http://schemas.openxmlformats.org/presentationml/2006/main">
   <p:tag name="OUTPUTDPI" val="1200"/>
   <p:tag name="ORIGINALHEIGHT" val="2237.72"/>
-  <p:tag name="ORIGINALWIDTH" val="4242.22"/>
+  <p:tag name="ORIGINALWIDTH" val="4276.715"/>
   <p:tag name="OUTPUTTYPE" val="PNG"/>
   <p:tag name="IGUANATEXVERSION" val="161"/>
-  <p:tag name="LATEXADDIN" val="\documentclass{article}&#10;\usepackage{amsmath, amssymb}&#10;\pagestyle{empty}&#10;\begin{document}&#10;\textbf{Reachability/Controllability}&#10;&#10;$\mathcal{R}[t_0, t_1] = \{ x_1 \in \mathbb{R}^n \vert \exists u(.) \in \mathcal{U}_{[t_0,t_1]},x_1=\int_{t_0}^{t_1} \Phi(t_1,\tau)B(\tau)u(\tau)d\tau \}$&#10;&#10;$\mathcal{C}[t_0, t_1] = \{ x_0 \in \mathbb{R}^n \vert \exists u(.) \in \mathcal{U}_{[t_0,t_1]},0=\Phi(t_1,t_0)x_0 + \int_{t_0}^{t_1} \Phi(t_1,\tau)B(\tau)u(\tau)d\tau \}$&#10;&#10;$W_{\mathcal{R}}(t_0,t_1) = \int_{t_0}^{t_1} \Phi(t_1,\tau)B(\tau)B^T(\tau)\Phi^T(t_1,\tau)d\tau$ and $Im(W_{\mathcal{R}}(t_0,t_1)) = \mathcal{R}[t_0,t_1]$&#10;&#10;$W_{\mathcal{C}}(t_0,t_1) = \int_{t_0}^{t_1} \Phi(t_0,\tau)B(\tau)B^T(\tau)\Phi^T(t_0,\tau)d\tau$ and $Im(W_{\mathcal{C}}(t_0,t_1)) = \mathcal{C}[t_0,t_1]$&#10;&#10;$W_{\mathcal{R}}(t_0,t_1) = \Phi(t_1,t_0)W_{\mathcal{C}}(t_0,t_1)\Phi^T(t_1,t_0)$&#10;&#10;\textit{Control Inputs}&#10;&#10;$x_1 \in Im(W_R) \implies \exists \eta_1 s.t. x_1 = W_R \eta_1$&#10;&#10;$u_R(t) = B^T(t)\Phi^T(t_f,t)\eta_1$&#10;&#10;$x_0 \in Im(W_C) \implies \exists \eta_0 s.t. x_0 = W_C \eta_0$&#10;&#10;$u_C(t) = -B^T(t)\Phi^T(t_0,t)\eta_0$&#10;&#10;&#10;Can move between two points if:&#10;&#10;a) $x_1-\Phi(t_1,t_0)x_0 \in Im(W_R(t_0,t_1))$&#10;&#10;or b) $x_0 \in \mathcal{C}$ and $x_1 \in \mathcal{R}$&#10;\end{document}"/>
+  <p:tag name="LATEXADDIN" val="\documentclass{article}&#10;\usepackage{amsmath, amssymb}&#10;\pagestyle{empty}&#10;\begin{document}&#10;\flushright&#10;\textbf{Reachability/Controllability}&#10;&#10;$\mathcal{R}[t_0, t_1] = \{ x_1 \in \mathbb{R}^n \vert \exists u(.) \in \mathcal{U}_{[t_0,t_1]},x_1=\int_{t_0}^{t_1} \Phi(t_1,\tau)B(\tau)u(\tau)d\tau \}$&#10;&#10;$\mathcal{C}[t_0, t_1] = \{ x_0 \in \mathbb{R}^n \vert \exists u(.) \in \mathcal{U}_{[t_0,t_1]},0=\Phi(t_1,t_0)x_0 + \int_{t_0}^{t_1} \Phi(t_1,\tau)B(\tau)u(\tau)d\tau \}$&#10;&#10;$W_{\mathcal{R}}(t_0,t_1) = \int_{t_0}^{t_1} \Phi(t_1,\tau)B(\tau)B^T(\tau)\Phi^T(t_1,\tau)d\tau$ and $Im(W_{\mathcal{R}}(t_0,t_1)) = \mathcal{R}[t_0,t_1]$&#10;&#10;$W_{\mathcal{C}}(t_0,t_1) = \int_{t_0}^{t_1} \Phi(t_0,\tau)B(\tau)B^T(\tau)\Phi^T(t_0,\tau)d\tau$ and $Im(W_{\mathcal{C}}(t_0,t_1)) = \mathcal{C}[t_0,t_1]$&#10;&#10;$W_{\mathcal{R}}(t_0,t_1) = \Phi(t_1,t_0)W_{\mathcal{C}}(t_0,t_1)\Phi^T(t_1,t_0)$&#10;&#10;\textit{Control Inputs}&#10;&#10;$x_1 \in Im(W_R) \implies \exists \eta_1 s.t. x_1 = W_R \eta_1$&#10;&#10;$u_R(t) = B^T(t)\Phi^T(t_f,t)\eta_1$&#10;&#10;$x_0 \in Im(W_C) \implies \exists \eta_0 s.t. x_0 = W_C \eta_0$&#10;&#10;$u_C(t) = -B^T(t)\Phi^T(t_0,t)\eta_0$&#10;&#10;&#10;Can move between two points if:&#10;&#10;a) $x_1-\Phi(t_1,t_0)x_0 \in Im(W_R(t_0,t_1))$&#10;&#10;or b) $x_0 \in \mathcal{C}$ and $x_1 \in \mathcal{R}$&#10;\end{document}"/>
   <p:tag name="IGUANATEXSIZE" val="7"/>
-  <p:tag name="IGUANATEXCURSOR" val="1221"/>
+  <p:tag name="IGUANATEXCURSOR" val="100"/>
   <p:tag name="TRANSPARENCY" val="True"/>
   <p:tag name="LATEXENGINEID" val="0"/>
   <p:tag name="TEMPFOLDER" val="c:\temp\"/>
@@ -3829,13 +3926,13 @@
 <file path=ppt/tags/tag17.xml><?xml version="1.0" encoding="utf-8"?>
 <p:tagLst xmlns:a="http://schemas.openxmlformats.org/drawingml/2006/main" xmlns:r="http://schemas.openxmlformats.org/officeDocument/2006/relationships" xmlns:p="http://schemas.openxmlformats.org/presentationml/2006/main">
   <p:tag name="OUTPUTDPI" val="1200"/>
-  <p:tag name="ORIGINALHEIGHT" val="1164.604"/>
+  <p:tag name="ORIGINALHEIGHT" val="1648.294"/>
   <p:tag name="ORIGINALWIDTH" val="4287.964"/>
   <p:tag name="OUTPUTTYPE" val="PNG"/>
   <p:tag name="IGUANATEXVERSION" val="161"/>
-  <p:tag name="LATEXADDIN" val="\documentclass{article}&#10;\usepackage{amsmath}&#10;\pagestyle{empty}&#10;\begin{document}&#10;&#10;Linearization around an eq. point for nonlinear system $\dot{x} =f(x,u)$ will always result in LTI system (also uses Jacobian and Taylor expansion)&#10;&#10;Linearization around a traj. can possilby produce LTI&#10;&#10;Feedback linearization is not always possible (or recommended)&#10;&#10;You cannot always find a similarity transform to diagonalize the system.&#10;&#10;$m$ repeated, real eigenvalues will have $m\times m$ Jordan block&#10;&#10;Poles are a subset of the eigenvalues (GAS implies BIBO, not vice versa)&#10;&#10;A GAS LTI system will also be GES&#10;&#10;\end{document}"/>
+  <p:tag name="LATEXADDIN" val="\documentclass{article}&#10;\usepackage{amsmath}&#10;\pagestyle{empty}&#10;\begin{document}&#10;&#10;Linearization around an eq. point for nonlinear system $\dot{x} =f(x,u)$ will always result in LTI system (also uses Jacobian and Taylor expansion)&#10;&#10;Linearization around a traj. can possilby produce LTI&#10;&#10;Feedback linearization is not always possible (or recommended)&#10;&#10;You cannot always find a similarity transform to diagonalize the system.&#10;&#10;$m$ repeated, real eigenvalues will have $m\times m$ Jordan block&#10;&#10;Poles are a subset of the eigenvalues (GAS implies BIBO, not vice versa)&#10;&#10;A GAS LTI system will also be GES&#10;&#10;Quadratic formula in case: $\frac{-b \pm \sqrt{b^2-4ac}}{2a}$&#10;&#10;When doing a derivative, ensure chain rule followed if function of time &#10;&#10;(ex: $\frac{d}{dt}(p_x \cos\theta + (p_y -1)\sin\theta)=\dot{p_x}\cos\theta-p_x\sin\theta\dot\theta + \dot{p_y}\sin\theta+(p_y-1)\cos\theta\dot\theta$)&#10;&#10;\end{document}"/>
   <p:tag name="IGUANATEXSIZE" val="7"/>
-  <p:tag name="IGUANATEXCURSOR" val="597"/>
+  <p:tag name="IGUANATEXCURSOR" val="885"/>
   <p:tag name="TRANSPARENCY" val="True"/>
   <p:tag name="LATEXENGINEID" val="0"/>
   <p:tag name="TEMPFOLDER" val="c:\temp\"/>
@@ -3850,12 +3947,12 @@
 <p:tagLst xmlns:a="http://schemas.openxmlformats.org/drawingml/2006/main" xmlns:r="http://schemas.openxmlformats.org/officeDocument/2006/relationships" xmlns:p="http://schemas.openxmlformats.org/presentationml/2006/main">
   <p:tag name="OUTPUTDPI" val="1200"/>
   <p:tag name="ORIGINALHEIGHT" val="1156.355"/>
-  <p:tag name="ORIGINALWIDTH" val="2860.142"/>
+  <p:tag name="ORIGINALWIDTH" val="2863.892"/>
   <p:tag name="OUTPUTTYPE" val="PNG"/>
   <p:tag name="IGUANATEXVERSION" val="161"/>
-  <p:tag name="LATEXADDIN" val="\documentclass{article}&#10;\usepackage{amsmath}&#10;\pagestyle{empty}&#10;\begin{document}&#10;&#10;\centering&#10;\textbf{Dynamical Systems}&#10;&#10;state transition function: $g: \tau \times \tau \times X \times U \rightarrow X$&#10;&#10;output mapping: $h:\tau \times X \times U \rightarrow Y$&#10;&#10;Is a dynamical system if &#10;&#10;$\forall t_0$ and $t_1 &gt; t_0, g(t_0,t_1,x,u_{[t_0 t_1]})$ well defined&#10;&#10;and $g(t_0,t_0,x,u) =x$&#10;&#10;Four parts of a dynamical system: initial time, &#10;&#10;initial state, input over desired time, time of interest&#10;&#10;\end{document}"/>
+  <p:tag name="LATEXADDIN" val="\documentclass{article}&#10;\usepackage{amsmath}&#10;\pagestyle{empty}&#10;\begin{document}&#10;&#10;&#10;\textbf{Dynamical Systems}&#10;&#10;state transition function: $g: \tau \times \tau \times X \times U \rightarrow X$&#10;&#10;output mapping: $h:\tau \times X \times U \rightarrow Y$&#10;&#10;Is a dynamical system if &#10;&#10;$\forall t_0$ and $t_1 &gt; t_0, g(t_0,t_1,x,u_{[t_0 t_1]})$ well defined&#10;&#10;and $g(t_0,t_0,x,u) =x$&#10;&#10;Four parts of a dynamical system: initial time, &#10;&#10;initial state, input over desired time, time of interest&#10;&#10;\end{document}"/>
   <p:tag name="IGUANATEXSIZE" val="7"/>
-  <p:tag name="IGUANATEXCURSOR" val="434"/>
+  <p:tag name="IGUANATEXCURSOR" val="81"/>
   <p:tag name="TRANSPARENCY" val="True"/>
   <p:tag name="LATEXENGINEID" val="0"/>
   <p:tag name="TEMPFOLDER" val="c:\temp\"/>
@@ -3869,13 +3966,13 @@
 <file path=ppt/tags/tag3.xml><?xml version="1.0" encoding="utf-8"?>
 <p:tagLst xmlns:a="http://schemas.openxmlformats.org/drawingml/2006/main" xmlns:r="http://schemas.openxmlformats.org/officeDocument/2006/relationships" xmlns:p="http://schemas.openxmlformats.org/presentationml/2006/main">
   <p:tag name="OUTPUTDPI" val="1200"/>
-  <p:tag name="ORIGINALHEIGHT" val="685.4143"/>
-  <p:tag name="ORIGINALWIDTH" val="1914.51"/>
+  <p:tag name="ORIGINALHEIGHT" val="2059.992"/>
+  <p:tag name="ORIGINALWIDTH" val="3561.305"/>
   <p:tag name="OUTPUTTYPE" val="PNG"/>
   <p:tag name="IGUANATEXVERSION" val="161"/>
-  <p:tag name="LATEXADDIN" val="\documentclass{article}&#10;\usepackage{amsmath}&#10;\pagestyle{empty}&#10;\begin{document}&#10;\centering&#10;\textbf{Linearization}&#10;&#10;$\begin{matrix}&#10;  \bar{A} = \frac{\partial f}{\partial x}|_{x^{eq},u^{eq}} &amp; \bar{B} = \frac{\partial f}{\partial u}|_{x^{eq},u^{eq}}\\ &#10;  \bar{C} = \frac{\partial g}{\partial x}|_{x^{eq},u^{eq}} &amp; \bar{D} = \frac{\partial f}{\partial u}|_{x^{eq},u^{eq}}&#10;\end{matrix}$&#10;&#10;$\delta \dot{x} = \bar{A}\delta x + \bar{B} \delta u$ \quad $\dot{y} = \bar{C}\delta x + \bar{D} \delta u$&#10;&#10;$\delta x = x-x^{eq}$ \quad $\delta u = u-u^{eq}$&#10;&#10;&#10;\end{document}"/>
-  <p:tag name="IGUANATEXSIZE" val="9"/>
-  <p:tag name="IGUANATEXCURSOR" val="542"/>
+  <p:tag name="LATEXADDIN" val="\documentclass{article}&#10;\usepackage{amsmath}&#10;\pagestyle{empty}&#10;\begin{document}&#10;\centering&#10;\textbf{Linearization}&#10;&#10;$\begin{matrix}&#10;  \bar{A} = \frac{\partial f}{\partial x}|_{x^{eq},u^{eq}} &amp; \bar{B} = \frac{\partial f}{\partial u}|_{x^{eq},u^{eq}}\\ &#10;  \bar{C} = \frac{\partial g}{\partial x}|_{x^{eq},u^{eq}} &amp; \bar{D} = \frac{\partial f}{\partial u}|_{x^{eq},u^{eq}}&#10;\end{matrix}$&#10;&#10;$\delta \dot{x} = \bar{A}\delta x + \bar{B} \delta u$ \quad $\dot{y} = \bar{C}\delta x + \bar{D} \delta u$&#10;&#10;$\delta x = x-x^{eq}$ \quad $\delta u = u-u^{eq}$&#10;&#10;For a control $u = u^{eq}+\delta u$ after linearization:&#10;&#10;$u = u^{eq}-K \delta x = u^{eq}-K(x-x^{eq})$&#10;&#10;Steps:&#10;1. Choose state $x$&#10;&#10;2. Find $\dot{x} = f(x,u)$ in terms of state $x$ and input $u$&#10;&#10;&#10;3. Find $y = f(x,u)$ in terms of state $x$ and input $u$&#10;&#10;4. Find set of equilibrium points $(x^{eq},u^{eq})$ s.t. $f(x^{eq},u^{eq})=0$&#10;&#10;5. Find Jacobians as above (generically, then at a given eq. point&#10;&#10;6. Write linearized system as above &#10;&#10;(remember definitions for $\delta x, \delta u, \delta y$)&#10;&#10;\end{document}"/>
+  <p:tag name="IGUANATEXSIZE" val="7"/>
+  <p:tag name="IGUANATEXCURSOR" val="570"/>
   <p:tag name="TRANSPARENCY" val="True"/>
   <p:tag name="LATEXENGINEID" val="0"/>
   <p:tag name="TEMPFOLDER" val="c:\temp\"/>
@@ -3950,12 +4047,12 @@
 <p:tagLst xmlns:a="http://schemas.openxmlformats.org/drawingml/2006/main" xmlns:r="http://schemas.openxmlformats.org/officeDocument/2006/relationships" xmlns:p="http://schemas.openxmlformats.org/presentationml/2006/main">
   <p:tag name="OUTPUTDPI" val="1200"/>
   <p:tag name="ORIGINALHEIGHT" val="3468.317"/>
-  <p:tag name="ORIGINALWIDTH" val="3546.307"/>
+  <p:tag name="ORIGINALWIDTH" val="3553.806"/>
   <p:tag name="OUTPUTTYPE" val="PNG"/>
   <p:tag name="IGUANATEXVERSION" val="161"/>
-  <p:tag name="LATEXADDIN" val="\documentclass{article}&#10;\usepackage{amsmath}&#10;\pagestyle{empty}&#10;\begin{document}&#10;&#10;\centering&#10;&#10;\textbf{Realization Theory}&#10;&#10;$G(s) = \frac{\beta_1 s^{n-1} + \beta_2 s^{n-2} + \dots + \beta_{n-1}s+\beta_n}{s^{n} + \alpha_1 s^{n-1} + \alpha_2 s^{n-2} + \dots + \alpha_{n-1}s+\alpha_n}$&#10;&#10;SS to TF: $Y(s) = (C(sI-A)^{-1}B + D)U(s)$&#10;&#10;Same TF $\implies$ zero-state eq. $\implies$ same zero-state response&#10;&#10;but not necessarily initial cond. response&#10;&#10;If mapping $\bar{A}=V^{-1}AV$,$\bar{B}=V^{-1}$,and $\bar{C}=CV$ exists $\implies$&#10;&#10;Algebraic Equivalence $\implies$ same eigenvalues, same dimension, &#10;&#10;an initial condition in the other system with same trajectory,&#10;&#10;and zero-state eq (same similarity transform for discrete system).&#10;&#10;\textit{Controllable Canonical Form}&#10;&#10;$\dot{x}=\begin{bmatrix}&#10;-\alpha_1 &amp; -\alpha_2 &amp; \dots &amp; -\alpha_{n-1} &amp; -\alpha_n \\&#10;1 &amp; 0 &amp; \cdots &amp; 0 &amp; 0\\&#10;0 &amp; 1 &amp; \cdots &amp; 0 &amp; 0\\&#10;\cdots &amp; \cdots &amp; \ddots &amp; \cdots &amp; \cdots\\&#10;0 &amp; 0 &amp; \cdots &amp; 1 &amp; 0\\&#10;\end{bmatrix}x + \begin{bmatrix}&#10;1 \\ 0 \\ 0 \\ \vdots \\ 0&#10;\end{bmatrix}u$&#10;&#10;$y=\begin{bmatrix}&#10;\beta_1 &amp; \beta_2 &amp; \cdots &amp; \beta_{n-1} &amp; \beta_n&#10;\end{bmatrix}$,&#10;$x=\begin{bmatrix}&#10;\xi^{(n-1)} \\ \xi^{(n-2)} \\ \vdots \\ \dot{\xi} \\ \xi &#10;\end{bmatrix}$&#10;&#10;\textit{Observable Canonical Form}&#10;&#10;$\bar{A}=A^T$, $\bar{B}=C^T$, $\bar{C}=B^T$, $\bar{D}=D^T$, &#10;&#10;&#10;\end{document}"/>
+  <p:tag name="LATEXADDIN" val="\documentclass{article}&#10;\usepackage{amsmath}&#10;\pagestyle{empty}&#10;\begin{document}&#10;&#10;\flushright&#10;&#10;\textbf{Realization Theory}&#10;&#10;$G(s) = \frac{\beta_1 s^{n-1} + \beta_2 s^{n-2} + \dots + \beta_{n-1}s+\beta_n}{s^{n} + \alpha_1 s^{n-1} + \alpha_2 s^{n-2} + \dots + \alpha_{n-1}s+\alpha_n}$&#10;&#10;SS to TF: $Y(s) = (C(sI-A)^{-1}B + D)U(s)$&#10;&#10;Same TF $\implies$ zero-state eq. $\implies$ same zero-state response&#10;&#10;but not necessarily initial cond. response&#10;&#10;If mapping $\bar{A}=V^{-1}AV$,$\bar{B}=V^{-1}$,and $\bar{C}=CV$ exists $\implies$&#10;&#10;Algebraic Equivalence $\implies$ same eigenvalues, same dimension, &#10;&#10;an initial condition in the other system with same trajectory,&#10;&#10;and zero-state eq (same similarity transform for discrete system).&#10;&#10;\textit{Controllable Canonical Form}&#10;&#10;$\dot{x}=\begin{bmatrix}&#10;-\alpha_1 &amp; -\alpha_2 &amp; \dots &amp; -\alpha_{n-1} &amp; -\alpha_n \\&#10;1 &amp; 0 &amp; \cdots &amp; 0 &amp; 0\\&#10;0 &amp; 1 &amp; \cdots &amp; 0 &amp; 0\\&#10;\cdots &amp; \cdots &amp; \ddots &amp; \cdots &amp; \cdots\\&#10;0 &amp; 0 &amp; \cdots &amp; 1 &amp; 0\\&#10;\end{bmatrix}x + \begin{bmatrix}&#10;1 \\ 0 \\ 0 \\ \vdots \\ 0&#10;\end{bmatrix}u$&#10;&#10;$y=\begin{bmatrix}&#10;\beta_1 &amp; \beta_2 &amp; \cdots &amp; \beta_{n-1} &amp; \beta_n&#10;\end{bmatrix}$,&#10;$x=\begin{bmatrix}&#10;\xi^{(n-1)} \\ \xi^{(n-2)} \\ \vdots \\ \dot{\xi} \\ \xi &#10;\end{bmatrix}$&#10;&#10;\textit{Observable Canonical Form}&#10;&#10;$\bar{A}=A^T$, $\bar{B}=C^T$, $\bar{C}=B^T$, $\bar{D}=D^T$, &#10;&#10;&#10;\end{document}"/>
   <p:tag name="IGUANATEXSIZE" val="8"/>
-  <p:tag name="IGUANATEXCURSOR" val="722"/>
+  <p:tag name="IGUANATEXCURSOR" val="92"/>
   <p:tag name="TRANSPARENCY" val="True"/>
   <p:tag name="LATEXENGINEID" val="0"/>
   <p:tag name="TEMPFOLDER" val="c:\temp\"/>
@@ -3970,12 +4067,12 @@
 <p:tagLst xmlns:a="http://schemas.openxmlformats.org/drawingml/2006/main" xmlns:r="http://schemas.openxmlformats.org/officeDocument/2006/relationships" xmlns:p="http://schemas.openxmlformats.org/presentationml/2006/main">
   <p:tag name="OUTPUTDPI" val="1200"/>
   <p:tag name="ORIGINALHEIGHT" val="2580.427"/>
-  <p:tag name="ORIGINALWIDTH" val="2876.64"/>
+  <p:tag name="ORIGINALWIDTH" val="2877.39"/>
   <p:tag name="OUTPUTTYPE" val="PNG"/>
   <p:tag name="IGUANATEXVERSION" val="161"/>
-  <p:tag name="LATEXADDIN" val="\documentclass{article}&#10;\usepackage{amsmath}&#10;\pagestyle{empty}&#10;\begin{document}&#10;\centering&#10;\textbf{Solution to Linear System}&#10;&#10;$x(t) = \Phi(t,t_0)x_0 + \int_{t_0}^t\Phi(t,\tau)B(\tau)u(\tau)d\tau$&#10;&#10;$\Phi(t,\tau)$: state transition matrix&#10;&#10;(i)$\frac{d}{dt}\Phi(t,\tau)=A(t)\Phi(t,\tau)$&#10;&#10;(ii)$\frac{d}{d\tau}\Phi(t,\tau)=\Phi(t,\tau)A(\tau)$&#10;&#10;(iii)$\Phi(t,t) = I$&#10;&#10;(iv)$\Phi(t_1,t_0)^{-1}=\Phi(t_0,t_1)$&#10;&#10;(v)$\Phi(t_2,t_0) = \Phi(t_2,t_1)\Phi(t_1,t_0)$&#10;&#10;For LTI, $\Phi(t,t_0)=e^{A(t-t_0)}$&#10;&#10;\textit{Matrix Exponential}&#10;&#10;$e^{At} = \sum_{k=0}^\infty \frac{A^k t^k}{k!}$&#10;&#10;$e^{At} = \mathcal{L}^{-1}(sI-A)^{-1}$&#10;&#10;if A (block) diagonal, &#10;&#10;$A^k= \begin{bmatrix}&#10;A_{11}^k &amp; 0 \\ 0 &amp; A_{22}^k&#10;\end{bmatrix}$ and $e^{At}=\begin{bmatrix}&#10;e^{A_{11}t} &amp; 0 \\ 0 &amp; e^{A_{22}t}&#10;\end{bmatrix}$&#10;&#10;$\mu = \begin{bmatrix}&#10;\sigma &amp; \omega \\ -\omega &amp; \sigma&#10;\end{bmatrix} \implies e^{\mu t}=\begin{bmatrix}&#10;e^{\sigma t}\cos (\omega t) &amp; e^{\sigma t}\sin (\omega t) \\ -e^{\sigma t}\sin (\omega t) &amp; e^{\sigma t}\cos (\omega t)&#10;\end{bmatrix}$&#10;&#10;&#10;&#10;&#10;\end{document}"/>
+  <p:tag name="LATEXADDIN" val="\documentclass{article}&#10;\usepackage{amsmath}&#10;\pagestyle{empty}&#10;\begin{document}&#10;&#10;\textbf{Solution to Linear System}&#10;&#10;$x(t) = \Phi(t,t_0)x_0 + \int_{t_0}^t\Phi(t,\tau)B(\tau)u(\tau)d\tau$&#10;&#10;$\Phi(t,\tau)$: state transition matrix&#10;&#10;(i)$\frac{d}{dt}\Phi(t,\tau)=A(t)\Phi(t,\tau)$&#10;&#10;(ii)$\frac{d}{d\tau}\Phi(t,\tau)=\Phi(t,\tau)A(\tau)$&#10;&#10;(iii)$\Phi(t,t) = I$&#10;&#10;(iv)$\Phi(t_1,t_0)^{-1}=\Phi(t_0,t_1)$&#10;&#10;(v)$\Phi(t_2,t_0) = \Phi(t_2,t_1)\Phi(t_1,t_0)$&#10;&#10;For LTI, $\Phi(t,t_0)=e^{A(t-t_0)}$&#10;&#10;\textit{Matrix Exponential}&#10;&#10;$e^{At} = \sum_{k=0}^\infty \frac{A^k t^k}{k!}$&#10;&#10;$e^{At} = \mathcal{L}^{-1}(sI-A)^{-1}$&#10;&#10;if A (block) diagonal, &#10;&#10;$A^k= \begin{bmatrix}&#10;A_{11}^k &amp; 0 \\ 0 &amp; A_{22}^k&#10;\end{bmatrix}$ and $e^{At}=\begin{bmatrix}&#10;e^{A_{11}t} &amp; 0 \\ 0 &amp; e^{A_{22}t}&#10;\end{bmatrix}$&#10;&#10;$\mu = \begin{bmatrix}&#10;\sigma &amp; \omega \\ -\omega &amp; \sigma&#10;\end{bmatrix} \implies e^{\mu t}=\begin{bmatrix}&#10;e^{\sigma t}\cos (\omega t) &amp; e^{\sigma t}\sin (\omega t) \\ -e^{\sigma t}\sin (\omega t) &amp; e^{\sigma t}\cos (\omega t)&#10;\end{bmatrix}$&#10;&#10;&#10;&#10;&#10;\end{document}"/>
   <p:tag name="IGUANATEXSIZE" val="7"/>
-  <p:tag name="IGUANATEXCURSOR" val="338"/>
+  <p:tag name="IGUANATEXCURSOR" val="80"/>
   <p:tag name="TRANSPARENCY" val="True"/>
   <p:tag name="LATEXENGINEID" val="0"/>
   <p:tag name="TEMPFOLDER" val="c:\temp\"/>
@@ -3990,12 +4087,12 @@
 <p:tagLst xmlns:a="http://schemas.openxmlformats.org/drawingml/2006/main" xmlns:r="http://schemas.openxmlformats.org/officeDocument/2006/relationships" xmlns:p="http://schemas.openxmlformats.org/presentationml/2006/main">
   <p:tag name="OUTPUTDPI" val="1200"/>
   <p:tag name="ORIGINALHEIGHT" val="1052.868"/>
-  <p:tag name="ORIGINALWIDTH" val="2703.412"/>
+  <p:tag name="ORIGINALWIDTH" val="2715.41"/>
   <p:tag name="OUTPUTTYPE" val="PNG"/>
   <p:tag name="IGUANATEXVERSION" val="161"/>
-  <p:tag name="LATEXADDIN" val="\documentclass{article}&#10;\usepackage{amsmath}&#10;\pagestyle{empty}&#10;\begin{document}&#10;&#10;\centering&#10;&#10;\textbf{Discretization}&#10;&#10;$x_{k+1} = \bar{A}x_k + \bar{B}u_k$&#10;&#10;Exact: $\bar{A}=e^{AT}$, $\bar{B} = \int_0^T e^{A(T-\tau)}d\tau B$, $\bar{C} = C$&#10;&#10;(Exact assumes constant control over &#10;&#10;discretization time interval)&#10;&#10;Solving $\bar{B}$, subsitute new $s=T-\tau$ where $T=\frac{1}{f_s}$&#10;&#10;Euler: $\bar{A}=I+TA$, $\bar{B} = TB$&#10;&#10;&#10;&#10;\end{document}"/>
+  <p:tag name="LATEXADDIN" val="\documentclass{article}&#10;\usepackage{amsmath}&#10;\pagestyle{empty}&#10;\begin{document}&#10;&#10;\flushright&#10;&#10;\textbf{Discretization}&#10;&#10;$x_{k+1} = \bar{A}x_k + \bar{B}u_k$&#10;&#10;Exact: $\bar{A}=e^{AT}$, $\bar{B} = \int_0^T e^{A(T-\tau)}d\tau B$, $\bar{C} = C$&#10;&#10;(Exact assumes constant control over &#10;&#10;discretization time interval)&#10;&#10;Solving $\bar{B}$, subsitute new $s=T-\tau$ where $T=\frac{1}{f_s}$&#10;&#10;Euler: $\bar{A}=I+TA$, $\bar{B} = TB$&#10;&#10;&#10;&#10;\end{document}"/>
   <p:tag name="IGUANATEXSIZE" val="7"/>
-  <p:tag name="IGUANATEXCURSOR" val="277"/>
+  <p:tag name="IGUANATEXCURSOR" val="92"/>
   <p:tag name="TRANSPARENCY" val="True"/>
   <p:tag name="LATEXENGINEID" val="0"/>
   <p:tag name="TEMPFOLDER" val="c:\temp\"/>

--- a/Exams/midtermEqnSheet.pptx
+++ b/Exams/midtermEqnSheet.pptx
@@ -243,7 +243,7 @@
           <a:p>
             <a:fld id="{91AFA872-14BF-4700-88F3-DF8E8C79CE7B}" type="datetimeFigureOut">
               <a:rPr lang="en-US" smtClean="0"/>
-              <a:t>10/15/2024</a:t>
+              <a:t>10/21/2024</a:t>
             </a:fld>
             <a:endParaRPr lang="en-US"/>
           </a:p>
@@ -413,7 +413,7 @@
           <a:p>
             <a:fld id="{91AFA872-14BF-4700-88F3-DF8E8C79CE7B}" type="datetimeFigureOut">
               <a:rPr lang="en-US" smtClean="0"/>
-              <a:t>10/15/2024</a:t>
+              <a:t>10/21/2024</a:t>
             </a:fld>
             <a:endParaRPr lang="en-US"/>
           </a:p>
@@ -593,7 +593,7 @@
           <a:p>
             <a:fld id="{91AFA872-14BF-4700-88F3-DF8E8C79CE7B}" type="datetimeFigureOut">
               <a:rPr lang="en-US" smtClean="0"/>
-              <a:t>10/15/2024</a:t>
+              <a:t>10/21/2024</a:t>
             </a:fld>
             <a:endParaRPr lang="en-US"/>
           </a:p>
@@ -763,7 +763,7 @@
           <a:p>
             <a:fld id="{91AFA872-14BF-4700-88F3-DF8E8C79CE7B}" type="datetimeFigureOut">
               <a:rPr lang="en-US" smtClean="0"/>
-              <a:t>10/15/2024</a:t>
+              <a:t>10/21/2024</a:t>
             </a:fld>
             <a:endParaRPr lang="en-US"/>
           </a:p>
@@ -1009,7 +1009,7 @@
           <a:p>
             <a:fld id="{91AFA872-14BF-4700-88F3-DF8E8C79CE7B}" type="datetimeFigureOut">
               <a:rPr lang="en-US" smtClean="0"/>
-              <a:t>10/15/2024</a:t>
+              <a:t>10/21/2024</a:t>
             </a:fld>
             <a:endParaRPr lang="en-US"/>
           </a:p>
@@ -1241,7 +1241,7 @@
           <a:p>
             <a:fld id="{91AFA872-14BF-4700-88F3-DF8E8C79CE7B}" type="datetimeFigureOut">
               <a:rPr lang="en-US" smtClean="0"/>
-              <a:t>10/15/2024</a:t>
+              <a:t>10/21/2024</a:t>
             </a:fld>
             <a:endParaRPr lang="en-US"/>
           </a:p>
@@ -1608,7 +1608,7 @@
           <a:p>
             <a:fld id="{91AFA872-14BF-4700-88F3-DF8E8C79CE7B}" type="datetimeFigureOut">
               <a:rPr lang="en-US" smtClean="0"/>
-              <a:t>10/15/2024</a:t>
+              <a:t>10/21/2024</a:t>
             </a:fld>
             <a:endParaRPr lang="en-US"/>
           </a:p>
@@ -1726,7 +1726,7 @@
           <a:p>
             <a:fld id="{91AFA872-14BF-4700-88F3-DF8E8C79CE7B}" type="datetimeFigureOut">
               <a:rPr lang="en-US" smtClean="0"/>
-              <a:t>10/15/2024</a:t>
+              <a:t>10/21/2024</a:t>
             </a:fld>
             <a:endParaRPr lang="en-US"/>
           </a:p>
@@ -1821,7 +1821,7 @@
           <a:p>
             <a:fld id="{91AFA872-14BF-4700-88F3-DF8E8C79CE7B}" type="datetimeFigureOut">
               <a:rPr lang="en-US" smtClean="0"/>
-              <a:t>10/15/2024</a:t>
+              <a:t>10/21/2024</a:t>
             </a:fld>
             <a:endParaRPr lang="en-US"/>
           </a:p>
@@ -2098,7 +2098,7 @@
           <a:p>
             <a:fld id="{91AFA872-14BF-4700-88F3-DF8E8C79CE7B}" type="datetimeFigureOut">
               <a:rPr lang="en-US" smtClean="0"/>
-              <a:t>10/15/2024</a:t>
+              <a:t>10/21/2024</a:t>
             </a:fld>
             <a:endParaRPr lang="en-US"/>
           </a:p>
@@ -2355,7 +2355,7 @@
           <a:p>
             <a:fld id="{91AFA872-14BF-4700-88F3-DF8E8C79CE7B}" type="datetimeFigureOut">
               <a:rPr lang="en-US" smtClean="0"/>
-              <a:t>10/15/2024</a:t>
+              <a:t>10/21/2024</a:t>
             </a:fld>
             <a:endParaRPr lang="en-US"/>
           </a:p>
@@ -2568,7 +2568,7 @@
           <a:p>
             <a:fld id="{91AFA872-14BF-4700-88F3-DF8E8C79CE7B}" type="datetimeFigureOut">
               <a:rPr lang="en-US" smtClean="0"/>
-              <a:t>10/15/2024</a:t>
+              <a:t>10/21/2024</a:t>
             </a:fld>
             <a:endParaRPr lang="en-US"/>
           </a:p>
@@ -3215,10 +3215,10 @@
       </p:pic>
       <p:pic>
         <p:nvPicPr>
-          <p:cNvPr id="28" name="Picture 27">
+          <p:cNvPr id="3" name="Picture 2">
             <a:extLst>
               <a:ext uri="{FF2B5EF4-FFF2-40B4-BE49-F238E27FC236}">
-                <a16:creationId xmlns:a16="http://schemas.microsoft.com/office/drawing/2014/main" id="{9A2DA032-8B04-A80E-8477-59A0924D2ADC}"/>
+                <a16:creationId xmlns:a16="http://schemas.microsoft.com/office/drawing/2014/main" id="{4A972CCF-F2B9-2D07-356A-54E8886EB08F}"/>
               </a:ext>
             </a:extLst>
           </p:cNvPr>
@@ -3246,7 +3246,7 @@
         <p:spPr>
           <a:xfrm>
             <a:off x="6223724" y="1667568"/>
-            <a:ext cx="2888533" cy="2819046"/>
+            <a:ext cx="2888533" cy="2819045"/>
           </a:xfrm>
           <a:prstGeom prst="rect">
             <a:avLst/>
@@ -4050,9 +4050,9 @@
   <p:tag name="ORIGINALWIDTH" val="3553.806"/>
   <p:tag name="OUTPUTTYPE" val="PNG"/>
   <p:tag name="IGUANATEXVERSION" val="161"/>
-  <p:tag name="LATEXADDIN" val="\documentclass{article}&#10;\usepackage{amsmath}&#10;\pagestyle{empty}&#10;\begin{document}&#10;&#10;\flushright&#10;&#10;\textbf{Realization Theory}&#10;&#10;$G(s) = \frac{\beta_1 s^{n-1} + \beta_2 s^{n-2} + \dots + \beta_{n-1}s+\beta_n}{s^{n} + \alpha_1 s^{n-1} + \alpha_2 s^{n-2} + \dots + \alpha_{n-1}s+\alpha_n}$&#10;&#10;SS to TF: $Y(s) = (C(sI-A)^{-1}B + D)U(s)$&#10;&#10;Same TF $\implies$ zero-state eq. $\implies$ same zero-state response&#10;&#10;but not necessarily initial cond. response&#10;&#10;If mapping $\bar{A}=V^{-1}AV$,$\bar{B}=V^{-1}$,and $\bar{C}=CV$ exists $\implies$&#10;&#10;Algebraic Equivalence $\implies$ same eigenvalues, same dimension, &#10;&#10;an initial condition in the other system with same trajectory,&#10;&#10;and zero-state eq (same similarity transform for discrete system).&#10;&#10;\textit{Controllable Canonical Form}&#10;&#10;$\dot{x}=\begin{bmatrix}&#10;-\alpha_1 &amp; -\alpha_2 &amp; \dots &amp; -\alpha_{n-1} &amp; -\alpha_n \\&#10;1 &amp; 0 &amp; \cdots &amp; 0 &amp; 0\\&#10;0 &amp; 1 &amp; \cdots &amp; 0 &amp; 0\\&#10;\cdots &amp; \cdots &amp; \ddots &amp; \cdots &amp; \cdots\\&#10;0 &amp; 0 &amp; \cdots &amp; 1 &amp; 0\\&#10;\end{bmatrix}x + \begin{bmatrix}&#10;1 \\ 0 \\ 0 \\ \vdots \\ 0&#10;\end{bmatrix}u$&#10;&#10;$y=\begin{bmatrix}&#10;\beta_1 &amp; \beta_2 &amp; \cdots &amp; \beta_{n-1} &amp; \beta_n&#10;\end{bmatrix}$,&#10;$x=\begin{bmatrix}&#10;\xi^{(n-1)} \\ \xi^{(n-2)} \\ \vdots \\ \dot{\xi} \\ \xi &#10;\end{bmatrix}$&#10;&#10;\textit{Observable Canonical Form}&#10;&#10;$\bar{A}=A^T$, $\bar{B}=C^T$, $\bar{C}=B^T$, $\bar{D}=D^T$, &#10;&#10;&#10;\end{document}"/>
+  <p:tag name="LATEXADDIN" val="\documentclass{article}&#10;\usepackage{amsmath}&#10;\pagestyle{empty}&#10;\begin{document}&#10;&#10;\flushright&#10;&#10;\textbf{Realization Theory}&#10;&#10;$G(s) = \frac{\beta_1 s^{n-1} + \beta_2 s^{n-2} + \dots + \beta_{n-1}s+\beta_n}{s^{n} + \alpha_1 s^{n-1} + \alpha_2 s^{n-2} + \dots + \alpha_{n-1}s+\alpha_n}$&#10;&#10;SS to TF: $Y(s) = (C(sI-A)^{-1}B + D)U(s)$&#10;&#10;Same TF $\implies$ zero-state eq. $\implies$ same zero-state response&#10;&#10;but not necessarily initial cond. response&#10;&#10;If mapping $\bar{A}=V^{-1}AV$,$\bar{B}=V^{-1}B$,and $\bar{C}=CV$ exists $\implies$&#10;&#10;Algebraic Equivalence $\implies$ same eigenvalues, same dimension, &#10;&#10;an initial condition in the other system with same trajectory,&#10;&#10;and zero-state eq (same similarity transform for discrete system).&#10;&#10;\textit{Controllable Canonical Form}&#10;&#10;$\dot{x}=\begin{bmatrix}&#10;-\alpha_1 &amp; -\alpha_2 &amp; \dots &amp; -\alpha_{n-1} &amp; -\alpha_n \\&#10;1 &amp; 0 &amp; \cdots &amp; 0 &amp; 0\\&#10;0 &amp; 1 &amp; \cdots &amp; 0 &amp; 0\\&#10;\cdots &amp; \cdots &amp; \ddots &amp; \cdots &amp; \cdots\\&#10;0 &amp; 0 &amp; \cdots &amp; 1 &amp; 0\\&#10;\end{bmatrix}x + \begin{bmatrix}&#10;1 \\ 0 \\ 0 \\ \vdots \\ 0&#10;\end{bmatrix}u$&#10;&#10;$y=\begin{bmatrix}&#10;\beta_1 &amp; \beta_2 &amp; \cdots &amp; \beta_{n-1} &amp; \beta_n&#10;\end{bmatrix}$,&#10;$x=\begin{bmatrix}&#10;\xi^{(n-1)} \\ \xi^{(n-2)} \\ \vdots \\ \dot{\xi} \\ \xi &#10;\end{bmatrix}$&#10;&#10;\textit{Observable Canonical Form}&#10;&#10;$\bar{A}=A^T$, $\bar{B}=C^T$, $\bar{C}=B^T$, $\bar{D}=D^T$, &#10;&#10;&#10;\end{document}"/>
   <p:tag name="IGUANATEXSIZE" val="8"/>
-  <p:tag name="IGUANATEXCURSOR" val="92"/>
+  <p:tag name="IGUANATEXCURSOR" val="488"/>
   <p:tag name="TRANSPARENCY" val="True"/>
   <p:tag name="LATEXENGINEID" val="0"/>
   <p:tag name="TEMPFOLDER" val="c:\temp\"/>
